--- a/Poster.pptx
+++ b/Poster.pptx
@@ -104,6 +104,11 @@
       </a:defRPr>
     </a:lvl9pPr>
   </p:defaultTextStyle>
+  <p:extLst>
+    <p:ext uri="{EFAFB233-063F-42B5-8137-9DF3F51BA10A}">
+      <p15:sldGuideLst xmlns:p15="http://schemas.microsoft.com/office/powerpoint/2012/main"/>
+    </p:ext>
+  </p:extLst>
 </p:presentation>
 </file>
 
@@ -3180,7 +3185,7 @@
           <a:lstStyle/>
           <a:p>
             <a:pPr algn="ctr"/>
-            <a:endParaRPr lang="et-EE"/>
+            <a:endParaRPr lang="et-EE" dirty="0"/>
           </a:p>
         </p:txBody>
       </p:sp>
@@ -3198,8 +3203,8 @@
         </p:nvSpPr>
         <p:spPr>
           <a:xfrm>
-            <a:off x="15478365" y="5906694"/>
-            <a:ext cx="13222842" cy="5242560"/>
+            <a:off x="15478365" y="5906693"/>
+            <a:ext cx="13222842" cy="9915027"/>
           </a:xfrm>
           <a:prstGeom prst="roundRect">
             <a:avLst/>
@@ -3296,7 +3301,7 @@
         <p:spPr>
           <a:xfrm>
             <a:off x="1574004" y="11596610"/>
-            <a:ext cx="27127199" cy="4225111"/>
+            <a:ext cx="13563599" cy="4225111"/>
           </a:xfrm>
           <a:prstGeom prst="roundRect">
             <a:avLst/>
@@ -3333,7 +3338,7 @@
           <a:lstStyle/>
           <a:p>
             <a:pPr algn="ctr"/>
-            <a:endParaRPr lang="et-EE"/>
+            <a:endParaRPr lang="et-EE" dirty="0"/>
           </a:p>
         </p:txBody>
       </p:sp>
@@ -3392,7 +3397,7 @@
         </p:nvSpPr>
         <p:spPr>
           <a:xfrm>
-            <a:off x="13965318" y="11522119"/>
+            <a:off x="11180682" y="11570975"/>
             <a:ext cx="3026093" cy="1200329"/>
           </a:xfrm>
           <a:prstGeom prst="rect">
@@ -3863,6 +3868,670 @@
               <a:rPr lang="et-EE" sz="7200" b="1" i="1" dirty="0"/>
               <a:t>RESULTS</a:t>
             </a:r>
+          </a:p>
+        </p:txBody>
+      </p:sp>
+      <p:sp>
+        <p:nvSpPr>
+          <p:cNvPr id="13" name="TextBox 12">
+            <a:extLst>
+              <a:ext uri="{FF2B5EF4-FFF2-40B4-BE49-F238E27FC236}">
+                <a16:creationId xmlns:a16="http://schemas.microsoft.com/office/drawing/2014/main" id="{4EF67B08-DFD8-4152-8BA4-6438753B1EEA}"/>
+              </a:ext>
+            </a:extLst>
+          </p:cNvPr>
+          <p:cNvSpPr txBox="1"/>
+          <p:nvPr/>
+        </p:nvSpPr>
+        <p:spPr>
+          <a:xfrm>
+            <a:off x="1809345" y="7620000"/>
+            <a:ext cx="13210161" cy="3108543"/>
+          </a:xfrm>
+          <a:prstGeom prst="rect">
+            <a:avLst/>
+          </a:prstGeom>
+          <a:noFill/>
+        </p:spPr>
+        <p:txBody>
+          <a:bodyPr wrap="square" rtlCol="0">
+            <a:spAutoFit/>
+          </a:bodyPr>
+          <a:lstStyle/>
+          <a:p>
+            <a:pPr algn="just"/>
+            <a:r>
+              <a:rPr lang="en-US" sz="2800" i="1" dirty="0">
+                <a:solidFill>
+                  <a:schemeClr val="bg2">
+                    <a:lumMod val="25000"/>
+                  </a:schemeClr>
+                </a:solidFill>
+              </a:rPr>
+              <a:t>Heart diseases, also known as cardiovascular diseases (CVDs) are causing the most deaths around the world. It is argued that CVDs are among the deadliest diseases in both developed and developing countries. CVDs take an estimated 17.9 million lives each year which is about 32% of all deaths globally. However, the chance of survival is higher if the diagnosis is made early enough. Therefore machine learning has become one of the most important tools in solving this problem by helping to predict which people are at risk of heart diseases.</a:t>
+            </a:r>
+            <a:endParaRPr lang="et-EE" sz="2800" i="1" dirty="0">
+              <a:solidFill>
+                <a:schemeClr val="bg2">
+                  <a:lumMod val="25000"/>
+                </a:schemeClr>
+              </a:solidFill>
+            </a:endParaRPr>
+          </a:p>
+        </p:txBody>
+      </p:sp>
+      <p:sp>
+        <p:nvSpPr>
+          <p:cNvPr id="16" name="TextBox 15">
+            <a:extLst>
+              <a:ext uri="{FF2B5EF4-FFF2-40B4-BE49-F238E27FC236}">
+                <a16:creationId xmlns:a16="http://schemas.microsoft.com/office/drawing/2014/main" id="{5C46FEEF-86BD-4450-9CBB-6B6EC7E1C345}"/>
+              </a:ext>
+            </a:extLst>
+          </p:cNvPr>
+          <p:cNvSpPr txBox="1"/>
+          <p:nvPr/>
+        </p:nvSpPr>
+        <p:spPr>
+          <a:xfrm>
+            <a:off x="1838273" y="11828148"/>
+            <a:ext cx="7645940" cy="2677656"/>
+          </a:xfrm>
+          <a:prstGeom prst="rect">
+            <a:avLst/>
+          </a:prstGeom>
+          <a:noFill/>
+        </p:spPr>
+        <p:txBody>
+          <a:bodyPr wrap="square" rtlCol="0">
+            <a:spAutoFit/>
+          </a:bodyPr>
+          <a:lstStyle/>
+          <a:p>
+            <a:pPr marL="285750" indent="-285750">
+              <a:buFont typeface="Arial" panose="020B0604020202020204" pitchFamily="34" charset="0"/>
+              <a:buChar char="•"/>
+            </a:pPr>
+            <a:r>
+              <a:rPr lang="et-EE" sz="2800" i="1" dirty="0">
+                <a:solidFill>
+                  <a:schemeClr val="bg2">
+                    <a:lumMod val="25000"/>
+                  </a:schemeClr>
+                </a:solidFill>
+              </a:rPr>
+              <a:t>E</a:t>
+            </a:r>
+            <a:r>
+              <a:rPr lang="en-US" sz="2800" i="1" dirty="0" err="1">
+                <a:solidFill>
+                  <a:schemeClr val="bg2">
+                    <a:lumMod val="25000"/>
+                  </a:schemeClr>
+                </a:solidFill>
+              </a:rPr>
+              <a:t>xplor</a:t>
+            </a:r>
+            <a:r>
+              <a:rPr lang="et-EE" sz="2800" i="1" dirty="0">
+                <a:solidFill>
+                  <a:schemeClr val="bg2">
+                    <a:lumMod val="25000"/>
+                  </a:schemeClr>
+                </a:solidFill>
+              </a:rPr>
+              <a:t>e</a:t>
+            </a:r>
+            <a:r>
+              <a:rPr lang="en-US" sz="2800" i="1" dirty="0">
+                <a:solidFill>
+                  <a:schemeClr val="bg2">
+                    <a:lumMod val="25000"/>
+                  </a:schemeClr>
+                </a:solidFill>
+              </a:rPr>
+              <a:t> diverse machine learning techniques</a:t>
+            </a:r>
+            <a:endParaRPr lang="et-EE" sz="2800" i="1" dirty="0">
+              <a:solidFill>
+                <a:schemeClr val="bg2">
+                  <a:lumMod val="25000"/>
+                </a:schemeClr>
+              </a:solidFill>
+            </a:endParaRPr>
+          </a:p>
+          <a:p>
+            <a:pPr marL="742950" lvl="1" indent="-285750">
+              <a:buFont typeface="Arial" panose="020B0604020202020204" pitchFamily="34" charset="0"/>
+              <a:buChar char="•"/>
+            </a:pPr>
+            <a:r>
+              <a:rPr lang="et-EE" sz="2800" i="1" dirty="0" err="1">
+                <a:solidFill>
+                  <a:schemeClr val="bg2">
+                    <a:lumMod val="25000"/>
+                  </a:schemeClr>
+                </a:solidFill>
+              </a:rPr>
+              <a:t>Random</a:t>
+            </a:r>
+            <a:r>
+              <a:rPr lang="et-EE" sz="2800" i="1" dirty="0">
+                <a:solidFill>
+                  <a:schemeClr val="bg2">
+                    <a:lumMod val="25000"/>
+                  </a:schemeClr>
+                </a:solidFill>
+              </a:rPr>
+              <a:t> </a:t>
+            </a:r>
+            <a:r>
+              <a:rPr lang="et-EE" sz="2800" i="1" dirty="0" err="1">
+                <a:solidFill>
+                  <a:schemeClr val="bg2">
+                    <a:lumMod val="25000"/>
+                  </a:schemeClr>
+                </a:solidFill>
+              </a:rPr>
+              <a:t>forest</a:t>
+            </a:r>
+            <a:endParaRPr lang="et-EE" sz="2800" i="1" dirty="0">
+              <a:solidFill>
+                <a:schemeClr val="bg2">
+                  <a:lumMod val="25000"/>
+                </a:schemeClr>
+              </a:solidFill>
+            </a:endParaRPr>
+          </a:p>
+          <a:p>
+            <a:pPr marL="742950" lvl="1" indent="-285750">
+              <a:buFont typeface="Arial" panose="020B0604020202020204" pitchFamily="34" charset="0"/>
+              <a:buChar char="•"/>
+            </a:pPr>
+            <a:r>
+              <a:rPr lang="et-EE" sz="2800" i="1" dirty="0" err="1">
+                <a:solidFill>
+                  <a:schemeClr val="bg2">
+                    <a:lumMod val="25000"/>
+                  </a:schemeClr>
+                </a:solidFill>
+              </a:rPr>
+              <a:t>Decision</a:t>
+            </a:r>
+            <a:r>
+              <a:rPr lang="et-EE" sz="2800" i="1" dirty="0">
+                <a:solidFill>
+                  <a:schemeClr val="bg2">
+                    <a:lumMod val="25000"/>
+                  </a:schemeClr>
+                </a:solidFill>
+              </a:rPr>
+              <a:t> </a:t>
+            </a:r>
+            <a:r>
+              <a:rPr lang="et-EE" sz="2800" i="1" dirty="0" err="1">
+                <a:solidFill>
+                  <a:schemeClr val="bg2">
+                    <a:lumMod val="25000"/>
+                  </a:schemeClr>
+                </a:solidFill>
+              </a:rPr>
+              <a:t>tree</a:t>
+            </a:r>
+            <a:endParaRPr lang="et-EE" sz="2800" i="1" dirty="0">
+              <a:solidFill>
+                <a:schemeClr val="bg2">
+                  <a:lumMod val="25000"/>
+                </a:schemeClr>
+              </a:solidFill>
+            </a:endParaRPr>
+          </a:p>
+          <a:p>
+            <a:pPr marL="742950" lvl="1" indent="-285750">
+              <a:buFont typeface="Arial" panose="020B0604020202020204" pitchFamily="34" charset="0"/>
+              <a:buChar char="•"/>
+            </a:pPr>
+            <a:r>
+              <a:rPr lang="et-EE" sz="2800" i="1" dirty="0">
+                <a:solidFill>
+                  <a:schemeClr val="bg2">
+                    <a:lumMod val="25000"/>
+                  </a:schemeClr>
+                </a:solidFill>
+              </a:rPr>
+              <a:t>K </a:t>
+            </a:r>
+            <a:r>
+              <a:rPr lang="et-EE" sz="2800" i="1" dirty="0" err="1">
+                <a:solidFill>
+                  <a:schemeClr val="bg2">
+                    <a:lumMod val="25000"/>
+                  </a:schemeClr>
+                </a:solidFill>
+              </a:rPr>
+              <a:t>Nearest</a:t>
+            </a:r>
+            <a:r>
+              <a:rPr lang="et-EE" sz="2800" i="1" dirty="0">
+                <a:solidFill>
+                  <a:schemeClr val="bg2">
+                    <a:lumMod val="25000"/>
+                  </a:schemeClr>
+                </a:solidFill>
+              </a:rPr>
+              <a:t> </a:t>
+            </a:r>
+            <a:r>
+              <a:rPr lang="et-EE" sz="2800" i="1" dirty="0" err="1">
+                <a:solidFill>
+                  <a:schemeClr val="bg2">
+                    <a:lumMod val="25000"/>
+                  </a:schemeClr>
+                </a:solidFill>
+              </a:rPr>
+              <a:t>Neighbors</a:t>
+            </a:r>
+            <a:endParaRPr lang="et-EE" sz="2800" i="1" dirty="0">
+              <a:solidFill>
+                <a:schemeClr val="bg2">
+                  <a:lumMod val="25000"/>
+                </a:schemeClr>
+              </a:solidFill>
+            </a:endParaRPr>
+          </a:p>
+          <a:p>
+            <a:pPr marL="742950" lvl="1" indent="-285750">
+              <a:buFont typeface="Arial" panose="020B0604020202020204" pitchFamily="34" charset="0"/>
+              <a:buChar char="•"/>
+            </a:pPr>
+            <a:r>
+              <a:rPr lang="et-EE" sz="2800" i="1" dirty="0" err="1">
+                <a:solidFill>
+                  <a:schemeClr val="bg2">
+                    <a:lumMod val="25000"/>
+                  </a:schemeClr>
+                </a:solidFill>
+              </a:rPr>
+              <a:t>Neural</a:t>
+            </a:r>
+            <a:r>
+              <a:rPr lang="et-EE" sz="2800" i="1" dirty="0">
+                <a:solidFill>
+                  <a:schemeClr val="bg2">
+                    <a:lumMod val="25000"/>
+                  </a:schemeClr>
+                </a:solidFill>
+              </a:rPr>
+              <a:t> Network</a:t>
+            </a:r>
+          </a:p>
+          <a:p>
+            <a:pPr marL="285750" indent="-285750">
+              <a:buFont typeface="Arial" panose="020B0604020202020204" pitchFamily="34" charset="0"/>
+              <a:buChar char="•"/>
+            </a:pPr>
+            <a:r>
+              <a:rPr lang="et-EE" sz="2800" i="1" dirty="0" err="1">
+                <a:solidFill>
+                  <a:schemeClr val="bg2">
+                    <a:lumMod val="25000"/>
+                  </a:schemeClr>
+                </a:solidFill>
+              </a:rPr>
+              <a:t>Optimizing</a:t>
+            </a:r>
+            <a:r>
+              <a:rPr lang="et-EE" sz="2800" i="1" dirty="0">
+                <a:solidFill>
+                  <a:schemeClr val="bg2">
+                    <a:lumMod val="25000"/>
+                  </a:schemeClr>
+                </a:solidFill>
+              </a:rPr>
+              <a:t> all </a:t>
+            </a:r>
+            <a:r>
+              <a:rPr lang="et-EE" sz="2800" i="1" dirty="0" err="1">
+                <a:solidFill>
+                  <a:schemeClr val="bg2">
+                    <a:lumMod val="25000"/>
+                  </a:schemeClr>
+                </a:solidFill>
+              </a:rPr>
+              <a:t>those</a:t>
+            </a:r>
+            <a:r>
+              <a:rPr lang="et-EE" sz="2800" i="1" dirty="0">
+                <a:solidFill>
+                  <a:schemeClr val="bg2">
+                    <a:lumMod val="25000"/>
+                  </a:schemeClr>
+                </a:solidFill>
+              </a:rPr>
+              <a:t> </a:t>
+            </a:r>
+            <a:r>
+              <a:rPr lang="et-EE" sz="2800" i="1" dirty="0" err="1">
+                <a:solidFill>
+                  <a:schemeClr val="bg2">
+                    <a:lumMod val="25000"/>
+                  </a:schemeClr>
+                </a:solidFill>
+              </a:rPr>
+              <a:t>models</a:t>
+            </a:r>
+            <a:endParaRPr lang="et-EE" sz="2800" i="1" dirty="0">
+              <a:solidFill>
+                <a:schemeClr val="bg2">
+                  <a:lumMod val="25000"/>
+                </a:schemeClr>
+              </a:solidFill>
+            </a:endParaRPr>
+          </a:p>
+        </p:txBody>
+      </p:sp>
+      <p:sp>
+        <p:nvSpPr>
+          <p:cNvPr id="20" name="TextBox 19">
+            <a:extLst>
+              <a:ext uri="{FF2B5EF4-FFF2-40B4-BE49-F238E27FC236}">
+                <a16:creationId xmlns:a16="http://schemas.microsoft.com/office/drawing/2014/main" id="{EA383598-1081-4940-A3A9-229568F43294}"/>
+              </a:ext>
+            </a:extLst>
+          </p:cNvPr>
+          <p:cNvSpPr txBox="1"/>
+          <p:nvPr/>
+        </p:nvSpPr>
+        <p:spPr>
+          <a:xfrm>
+            <a:off x="1838273" y="14375512"/>
+            <a:ext cx="11997014" cy="1384995"/>
+          </a:xfrm>
+          <a:prstGeom prst="rect">
+            <a:avLst/>
+          </a:prstGeom>
+          <a:noFill/>
+        </p:spPr>
+        <p:txBody>
+          <a:bodyPr wrap="square" rtlCol="0">
+            <a:spAutoFit/>
+          </a:bodyPr>
+          <a:lstStyle/>
+          <a:p>
+            <a:pPr marL="285750" indent="-285750">
+              <a:buFont typeface="Arial" panose="020B0604020202020204" pitchFamily="34" charset="0"/>
+              <a:buChar char="•"/>
+            </a:pPr>
+            <a:r>
+              <a:rPr lang="et-EE" sz="2800" i="1" dirty="0">
+                <a:solidFill>
+                  <a:schemeClr val="bg2">
+                    <a:lumMod val="25000"/>
+                  </a:schemeClr>
+                </a:solidFill>
+              </a:rPr>
+              <a:t>Look </a:t>
+            </a:r>
+            <a:r>
+              <a:rPr lang="en-US" sz="2800" i="1" dirty="0">
+                <a:solidFill>
+                  <a:schemeClr val="bg2">
+                    <a:lumMod val="25000"/>
+                  </a:schemeClr>
+                </a:solidFill>
+              </a:rPr>
+              <a:t>deeper</a:t>
+            </a:r>
+            <a:r>
+              <a:rPr lang="et-EE" sz="2800" i="1" dirty="0">
+                <a:solidFill>
+                  <a:schemeClr val="bg2">
+                    <a:lumMod val="25000"/>
+                  </a:schemeClr>
+                </a:solidFill>
+              </a:rPr>
+              <a:t> </a:t>
+            </a:r>
+            <a:r>
+              <a:rPr lang="en-US" sz="2800" i="1" dirty="0">
+                <a:solidFill>
+                  <a:schemeClr val="bg2">
+                    <a:lumMod val="25000"/>
+                  </a:schemeClr>
+                </a:solidFill>
+              </a:rPr>
+              <a:t>into</a:t>
+            </a:r>
+            <a:r>
+              <a:rPr lang="et-EE" sz="2800" i="1" dirty="0">
+                <a:solidFill>
+                  <a:schemeClr val="bg2">
+                    <a:lumMod val="25000"/>
+                  </a:schemeClr>
+                </a:solidFill>
+              </a:rPr>
+              <a:t> </a:t>
+            </a:r>
+            <a:r>
+              <a:rPr lang="en-US" sz="2800" i="1" dirty="0">
+                <a:solidFill>
+                  <a:schemeClr val="bg2">
+                    <a:lumMod val="25000"/>
+                  </a:schemeClr>
+                </a:solidFill>
+              </a:rPr>
+              <a:t>features and see which factors influence or boost the development of the diseases the most.</a:t>
+            </a:r>
+            <a:endParaRPr lang="et-EE" sz="2800" i="1" dirty="0">
+              <a:solidFill>
+                <a:schemeClr val="bg2">
+                  <a:lumMod val="25000"/>
+                </a:schemeClr>
+              </a:solidFill>
+            </a:endParaRPr>
+          </a:p>
+          <a:p>
+            <a:pPr marL="285750" indent="-285750">
+              <a:buFont typeface="Arial" panose="020B0604020202020204" pitchFamily="34" charset="0"/>
+              <a:buChar char="•"/>
+            </a:pPr>
+            <a:r>
+              <a:rPr lang="et-EE" sz="2800" i="1" dirty="0" err="1">
+                <a:solidFill>
+                  <a:schemeClr val="bg2">
+                    <a:lumMod val="25000"/>
+                  </a:schemeClr>
+                </a:solidFill>
+              </a:rPr>
+              <a:t>Write</a:t>
+            </a:r>
+            <a:r>
+              <a:rPr lang="et-EE" sz="2800" i="1" dirty="0">
+                <a:solidFill>
+                  <a:schemeClr val="bg2">
+                    <a:lumMod val="25000"/>
+                  </a:schemeClr>
+                </a:solidFill>
+              </a:rPr>
+              <a:t> a programm </a:t>
+            </a:r>
+            <a:r>
+              <a:rPr lang="et-EE" sz="2800" i="1" dirty="0" err="1">
+                <a:solidFill>
+                  <a:schemeClr val="bg2">
+                    <a:lumMod val="25000"/>
+                  </a:schemeClr>
+                </a:solidFill>
+              </a:rPr>
+              <a:t>to</a:t>
+            </a:r>
+            <a:r>
+              <a:rPr lang="et-EE" sz="2800" i="1" dirty="0">
+                <a:solidFill>
+                  <a:schemeClr val="bg2">
+                    <a:lumMod val="25000"/>
+                  </a:schemeClr>
+                </a:solidFill>
+              </a:rPr>
+              <a:t> </a:t>
+            </a:r>
+            <a:r>
+              <a:rPr lang="et-EE" sz="2800" i="1" dirty="0" err="1">
+                <a:solidFill>
+                  <a:schemeClr val="bg2">
+                    <a:lumMod val="25000"/>
+                  </a:schemeClr>
+                </a:solidFill>
+              </a:rPr>
+              <a:t>predict</a:t>
+            </a:r>
+            <a:r>
+              <a:rPr lang="et-EE" sz="2800" i="1" dirty="0">
+                <a:solidFill>
+                  <a:schemeClr val="bg2">
+                    <a:lumMod val="25000"/>
+                  </a:schemeClr>
+                </a:solidFill>
+              </a:rPr>
+              <a:t> </a:t>
+            </a:r>
+            <a:r>
+              <a:rPr lang="et-EE" sz="2800" i="1" dirty="0" err="1">
+                <a:solidFill>
+                  <a:schemeClr val="bg2">
+                    <a:lumMod val="25000"/>
+                  </a:schemeClr>
+                </a:solidFill>
+              </a:rPr>
+              <a:t>the</a:t>
+            </a:r>
+            <a:r>
+              <a:rPr lang="et-EE" sz="2800" i="1" dirty="0">
+                <a:solidFill>
+                  <a:schemeClr val="bg2">
+                    <a:lumMod val="25000"/>
+                  </a:schemeClr>
+                </a:solidFill>
+              </a:rPr>
+              <a:t> </a:t>
+            </a:r>
+            <a:r>
+              <a:rPr lang="et-EE" sz="2800" i="1" dirty="0" err="1">
+                <a:solidFill>
+                  <a:schemeClr val="bg2">
+                    <a:lumMod val="25000"/>
+                  </a:schemeClr>
+                </a:solidFill>
+              </a:rPr>
+              <a:t>presence</a:t>
+            </a:r>
+            <a:r>
+              <a:rPr lang="et-EE" sz="2800" i="1" dirty="0">
+                <a:solidFill>
+                  <a:schemeClr val="bg2">
+                    <a:lumMod val="25000"/>
+                  </a:schemeClr>
+                </a:solidFill>
+              </a:rPr>
+              <a:t> of </a:t>
+            </a:r>
+            <a:r>
+              <a:rPr lang="et-EE" sz="2800" i="1" dirty="0" err="1">
+                <a:solidFill>
+                  <a:schemeClr val="bg2">
+                    <a:lumMod val="25000"/>
+                  </a:schemeClr>
+                </a:solidFill>
+              </a:rPr>
+              <a:t>heart</a:t>
+            </a:r>
+            <a:r>
+              <a:rPr lang="et-EE" sz="2800" i="1" dirty="0">
+                <a:solidFill>
+                  <a:schemeClr val="bg2">
+                    <a:lumMod val="25000"/>
+                  </a:schemeClr>
+                </a:solidFill>
+              </a:rPr>
+              <a:t> </a:t>
+            </a:r>
+            <a:r>
+              <a:rPr lang="et-EE" sz="2800" i="1" dirty="0" err="1">
+                <a:solidFill>
+                  <a:schemeClr val="bg2">
+                    <a:lumMod val="25000"/>
+                  </a:schemeClr>
+                </a:solidFill>
+              </a:rPr>
+              <a:t>disease</a:t>
+            </a:r>
+            <a:r>
+              <a:rPr lang="et-EE" sz="2800" i="1" dirty="0">
+                <a:solidFill>
+                  <a:schemeClr val="bg2">
+                    <a:lumMod val="25000"/>
+                  </a:schemeClr>
+                </a:solidFill>
+              </a:rPr>
+              <a:t> </a:t>
+            </a:r>
+            <a:r>
+              <a:rPr lang="et-EE" sz="2800" i="1" dirty="0" err="1">
+                <a:solidFill>
+                  <a:schemeClr val="bg2">
+                    <a:lumMod val="25000"/>
+                  </a:schemeClr>
+                </a:solidFill>
+              </a:rPr>
+              <a:t>based</a:t>
+            </a:r>
+            <a:r>
+              <a:rPr lang="et-EE" sz="2800" i="1" dirty="0">
+                <a:solidFill>
+                  <a:schemeClr val="bg2">
+                    <a:lumMod val="25000"/>
+                  </a:schemeClr>
+                </a:solidFill>
+              </a:rPr>
+              <a:t> on </a:t>
+            </a:r>
+            <a:r>
+              <a:rPr lang="et-EE" sz="2800" i="1" dirty="0" err="1">
+                <a:solidFill>
+                  <a:schemeClr val="bg2">
+                    <a:lumMod val="25000"/>
+                  </a:schemeClr>
+                </a:solidFill>
+              </a:rPr>
+              <a:t>user</a:t>
+            </a:r>
+            <a:r>
+              <a:rPr lang="et-EE" sz="2800" i="1" dirty="0">
+                <a:solidFill>
+                  <a:schemeClr val="bg2">
+                    <a:lumMod val="25000"/>
+                  </a:schemeClr>
+                </a:solidFill>
+              </a:rPr>
+              <a:t> </a:t>
+            </a:r>
+            <a:r>
+              <a:rPr lang="et-EE" sz="2800" i="1" dirty="0" err="1">
+                <a:solidFill>
+                  <a:schemeClr val="bg2">
+                    <a:lumMod val="25000"/>
+                  </a:schemeClr>
+                </a:solidFill>
+              </a:rPr>
+              <a:t>input</a:t>
+            </a:r>
+            <a:endParaRPr lang="et-EE" sz="2800" i="1" dirty="0">
+              <a:solidFill>
+                <a:schemeClr val="bg2">
+                  <a:lumMod val="25000"/>
+                </a:schemeClr>
+              </a:solidFill>
+            </a:endParaRPr>
           </a:p>
         </p:txBody>
       </p:sp>

--- a/Poster.pptx
+++ b/Poster.pptx
@@ -3203,7 +3203,7 @@
         </p:nvSpPr>
         <p:spPr>
           <a:xfrm>
-            <a:off x="15478365" y="5906693"/>
+            <a:off x="15478365" y="5906694"/>
             <a:ext cx="13222842" cy="9915027"/>
           </a:xfrm>
           <a:prstGeom prst="roundRect">
@@ -4531,6 +4531,688 @@
                   <a:lumMod val="25000"/>
                 </a:schemeClr>
               </a:solidFill>
+            </a:endParaRPr>
+          </a:p>
+        </p:txBody>
+      </p:sp>
+      <p:sp>
+        <p:nvSpPr>
+          <p:cNvPr id="21" name="TextBox 20">
+            <a:extLst>
+              <a:ext uri="{FF2B5EF4-FFF2-40B4-BE49-F238E27FC236}">
+                <a16:creationId xmlns:a16="http://schemas.microsoft.com/office/drawing/2014/main" id="{94E4A545-9FB3-4B56-AF91-48C642A4059C}"/>
+              </a:ext>
+            </a:extLst>
+          </p:cNvPr>
+          <p:cNvSpPr txBox="1"/>
+          <p:nvPr/>
+        </p:nvSpPr>
+        <p:spPr>
+          <a:xfrm>
+            <a:off x="15879486" y="7620000"/>
+            <a:ext cx="12420600" cy="7109639"/>
+          </a:xfrm>
+          <a:prstGeom prst="rect">
+            <a:avLst/>
+          </a:prstGeom>
+          <a:noFill/>
+        </p:spPr>
+        <p:txBody>
+          <a:bodyPr wrap="square" rtlCol="0">
+            <a:spAutoFit/>
+          </a:bodyPr>
+          <a:lstStyle/>
+          <a:p>
+            <a:r>
+              <a:rPr lang="et-EE" sz="2400" i="1" dirty="0" err="1"/>
+              <a:t>Our</a:t>
+            </a:r>
+            <a:r>
+              <a:rPr lang="et-EE" sz="2400" i="1" dirty="0"/>
+              <a:t> </a:t>
+            </a:r>
+            <a:r>
+              <a:rPr lang="en-US" sz="2400" i="1" dirty="0"/>
+              <a:t>database has data from different datasets, which have been combined</a:t>
+            </a:r>
+            <a:r>
+              <a:rPr lang="et-EE" sz="2400" i="1" dirty="0"/>
+              <a:t>. </a:t>
+            </a:r>
+            <a:r>
+              <a:rPr lang="en-US" sz="2400" i="1" dirty="0"/>
+              <a:t>There is data from Cleveland with 303 instances, from Hungary with 294 instances, from Switzerland with 123 instances, from Long Beach VA with 200 instances and from another general dataset with 270 instances.</a:t>
+            </a:r>
+            <a:r>
+              <a:rPr lang="et-EE" sz="2400" i="1" dirty="0"/>
+              <a:t> The </a:t>
+            </a:r>
+            <a:r>
+              <a:rPr lang="et-EE" sz="2400" i="1" dirty="0" err="1"/>
+              <a:t>features</a:t>
+            </a:r>
+            <a:r>
+              <a:rPr lang="et-EE" sz="2400" i="1" dirty="0"/>
+              <a:t> are: </a:t>
+            </a:r>
+          </a:p>
+          <a:p>
+            <a:endParaRPr lang="et-EE" sz="2400" i="1" dirty="0"/>
+          </a:p>
+          <a:p>
+            <a:pPr marL="342900" indent="-342900">
+              <a:buFont typeface="Arial" panose="020B0604020202020204" pitchFamily="34" charset="0"/>
+              <a:buChar char="•"/>
+            </a:pPr>
+            <a:r>
+              <a:rPr lang="et-EE" sz="2400" i="1" dirty="0" err="1"/>
+              <a:t>age</a:t>
+            </a:r>
+            <a:r>
+              <a:rPr lang="et-EE" sz="2400" i="1" dirty="0"/>
+              <a:t> (</a:t>
+            </a:r>
+            <a:r>
+              <a:rPr lang="et-EE" sz="2400" i="1" dirty="0" err="1"/>
+              <a:t>numeric</a:t>
+            </a:r>
+            <a:r>
+              <a:rPr lang="et-EE" sz="2400" i="1" dirty="0"/>
+              <a:t>) - </a:t>
+            </a:r>
+            <a:r>
+              <a:rPr lang="et-EE" sz="2400" dirty="0" err="1"/>
+              <a:t>Patient’s</a:t>
+            </a:r>
+            <a:r>
+              <a:rPr lang="et-EE" sz="2400" dirty="0"/>
+              <a:t> </a:t>
+            </a:r>
+            <a:r>
+              <a:rPr lang="et-EE" sz="2400" dirty="0" err="1"/>
+              <a:t>age</a:t>
+            </a:r>
+            <a:r>
+              <a:rPr lang="et-EE" sz="2400" dirty="0"/>
+              <a:t> in </a:t>
+            </a:r>
+            <a:r>
+              <a:rPr lang="et-EE" sz="2400" dirty="0" err="1"/>
+              <a:t>years</a:t>
+            </a:r>
+            <a:r>
+              <a:rPr lang="et-EE" sz="2400" dirty="0"/>
+              <a:t>.</a:t>
+            </a:r>
+            <a:endParaRPr lang="et-EE" sz="2400" i="1" dirty="0"/>
+          </a:p>
+          <a:p>
+            <a:pPr marL="342900" indent="-342900">
+              <a:buFont typeface="Arial" panose="020B0604020202020204" pitchFamily="34" charset="0"/>
+              <a:buChar char="•"/>
+            </a:pPr>
+            <a:r>
+              <a:rPr lang="et-EE" sz="2400" i="1" dirty="0" err="1"/>
+              <a:t>sex</a:t>
+            </a:r>
+            <a:r>
+              <a:rPr lang="et-EE" sz="2400" i="1" dirty="0"/>
+              <a:t> (nominaal) - </a:t>
+            </a:r>
+            <a:r>
+              <a:rPr lang="en-US" sz="2400" dirty="0"/>
+              <a:t>Patient’s gender. Male is 1 and Female is 0.</a:t>
+            </a:r>
+            <a:endParaRPr lang="et-EE" sz="2400" i="1" dirty="0"/>
+          </a:p>
+          <a:p>
+            <a:pPr marL="342900" indent="-342900">
+              <a:buFont typeface="Arial" panose="020B0604020202020204" pitchFamily="34" charset="0"/>
+              <a:buChar char="•"/>
+            </a:pPr>
+            <a:r>
+              <a:rPr lang="et-EE" sz="2400" i="1" dirty="0" err="1"/>
+              <a:t>chest</a:t>
+            </a:r>
+            <a:r>
+              <a:rPr lang="et-EE" sz="2400" i="1" dirty="0"/>
+              <a:t> </a:t>
+            </a:r>
+            <a:r>
+              <a:rPr lang="et-EE" sz="2400" i="1" dirty="0" err="1"/>
+              <a:t>pain</a:t>
+            </a:r>
+            <a:r>
+              <a:rPr lang="et-EE" sz="2400" i="1" dirty="0"/>
+              <a:t> </a:t>
+            </a:r>
+            <a:r>
+              <a:rPr lang="et-EE" sz="2400" i="1" dirty="0" err="1"/>
+              <a:t>type</a:t>
+            </a:r>
+            <a:r>
+              <a:rPr lang="et-EE" sz="2400" i="1" dirty="0"/>
+              <a:t> (</a:t>
+            </a:r>
+            <a:r>
+              <a:rPr lang="et-EE" sz="2400" i="1" dirty="0" err="1"/>
+              <a:t>categorical</a:t>
+            </a:r>
+            <a:r>
+              <a:rPr lang="et-EE" sz="2400" i="1" dirty="0"/>
+              <a:t>) - </a:t>
+            </a:r>
+            <a:r>
+              <a:rPr lang="et-EE" sz="2400" dirty="0"/>
+              <a:t>1 - </a:t>
+            </a:r>
+            <a:r>
+              <a:rPr lang="et-EE" sz="2400" dirty="0" err="1"/>
+              <a:t>typical</a:t>
+            </a:r>
+            <a:r>
+              <a:rPr lang="et-EE" sz="2400" dirty="0"/>
+              <a:t>; 2 - </a:t>
+            </a:r>
+            <a:r>
+              <a:rPr lang="et-EE" sz="2400" dirty="0" err="1"/>
+              <a:t>typical</a:t>
+            </a:r>
+            <a:r>
+              <a:rPr lang="et-EE" sz="2400" dirty="0"/>
+              <a:t> </a:t>
+            </a:r>
+            <a:r>
+              <a:rPr lang="et-EE" sz="2400" dirty="0" err="1"/>
+              <a:t>angina</a:t>
+            </a:r>
+            <a:r>
+              <a:rPr lang="et-EE" sz="2400" dirty="0"/>
+              <a:t>; 3 - non-</a:t>
+            </a:r>
+            <a:r>
+              <a:rPr lang="et-EE" sz="2400" dirty="0" err="1"/>
+              <a:t>angina</a:t>
+            </a:r>
+            <a:r>
+              <a:rPr lang="et-EE" sz="2400" dirty="0"/>
+              <a:t>; 4 - </a:t>
+            </a:r>
+            <a:r>
+              <a:rPr lang="et-EE" sz="2400" dirty="0" err="1"/>
+              <a:t>asymptomatic</a:t>
+            </a:r>
+            <a:r>
+              <a:rPr lang="et-EE" sz="2400" dirty="0"/>
+              <a:t>.</a:t>
+            </a:r>
+            <a:endParaRPr lang="et-EE" sz="2400" i="1" dirty="0"/>
+          </a:p>
+          <a:p>
+            <a:pPr marL="342900" indent="-342900">
+              <a:buFont typeface="Arial" panose="020B0604020202020204" pitchFamily="34" charset="0"/>
+              <a:buChar char="•"/>
+            </a:pPr>
+            <a:r>
+              <a:rPr lang="et-EE" sz="2400" i="1" dirty="0" err="1"/>
+              <a:t>resting</a:t>
+            </a:r>
+            <a:r>
+              <a:rPr lang="et-EE" sz="2400" i="1" dirty="0"/>
+              <a:t> </a:t>
+            </a:r>
+            <a:r>
+              <a:rPr lang="et-EE" sz="2400" i="1" dirty="0" err="1"/>
+              <a:t>bs</a:t>
+            </a:r>
+            <a:r>
+              <a:rPr lang="et-EE" sz="2400" i="1" dirty="0"/>
+              <a:t> s (</a:t>
+            </a:r>
+            <a:r>
+              <a:rPr lang="et-EE" sz="2400" i="1" dirty="0" err="1"/>
+              <a:t>numeric</a:t>
+            </a:r>
+            <a:r>
+              <a:rPr lang="et-EE" sz="2400" i="1" dirty="0"/>
+              <a:t>) -  </a:t>
+            </a:r>
+            <a:r>
+              <a:rPr lang="en-US" sz="2400" dirty="0"/>
+              <a:t>Level of blood pressure at resting mode in mm/GG.</a:t>
+            </a:r>
+            <a:endParaRPr lang="et-EE" sz="2400" i="1" dirty="0"/>
+          </a:p>
+          <a:p>
+            <a:pPr marL="342900" indent="-342900">
+              <a:buFont typeface="Arial" panose="020B0604020202020204" pitchFamily="34" charset="0"/>
+              <a:buChar char="•"/>
+            </a:pPr>
+            <a:r>
+              <a:rPr lang="et-EE" sz="2400" i="1" dirty="0" err="1"/>
+              <a:t>cholesterol</a:t>
+            </a:r>
+            <a:r>
+              <a:rPr lang="et-EE" sz="2400" i="1" dirty="0"/>
+              <a:t> (</a:t>
+            </a:r>
+            <a:r>
+              <a:rPr lang="et-EE" sz="2400" i="1" dirty="0" err="1"/>
+              <a:t>numeric</a:t>
+            </a:r>
+            <a:r>
+              <a:rPr lang="et-EE" sz="2400" i="1" dirty="0"/>
+              <a:t>) - </a:t>
+            </a:r>
+            <a:r>
+              <a:rPr lang="nl-NL" sz="2400" dirty="0"/>
+              <a:t>Serum cholesterol in mg/dl.</a:t>
+            </a:r>
+            <a:endParaRPr lang="et-EE" sz="2400" i="1" dirty="0"/>
+          </a:p>
+          <a:p>
+            <a:pPr marL="342900" indent="-342900">
+              <a:buFont typeface="Arial" panose="020B0604020202020204" pitchFamily="34" charset="0"/>
+              <a:buChar char="•"/>
+            </a:pPr>
+            <a:r>
+              <a:rPr lang="et-EE" sz="2400" i="1" dirty="0" err="1"/>
+              <a:t>fasting</a:t>
+            </a:r>
+            <a:r>
+              <a:rPr lang="et-EE" sz="2400" i="1" dirty="0"/>
+              <a:t> </a:t>
+            </a:r>
+            <a:r>
+              <a:rPr lang="et-EE" sz="2400" i="1" dirty="0" err="1"/>
+              <a:t>blood</a:t>
+            </a:r>
+            <a:r>
+              <a:rPr lang="et-EE" sz="2400" i="1" dirty="0"/>
+              <a:t> </a:t>
+            </a:r>
+            <a:r>
+              <a:rPr lang="et-EE" sz="2400" i="1" dirty="0" err="1"/>
+              <a:t>sugar</a:t>
+            </a:r>
+            <a:r>
+              <a:rPr lang="et-EE" sz="2400" i="1" dirty="0"/>
+              <a:t> (</a:t>
+            </a:r>
+            <a:r>
+              <a:rPr lang="et-EE" sz="2400" i="1" dirty="0" err="1"/>
+              <a:t>nominal</a:t>
+            </a:r>
+            <a:r>
+              <a:rPr lang="et-EE" sz="2400" i="1" dirty="0"/>
+              <a:t>) - </a:t>
+            </a:r>
+            <a:r>
+              <a:rPr lang="en-US" sz="2400" dirty="0"/>
+              <a:t>Blood sugar levels on fasting &gt; 120 mg/dl represent 1 in case of true and 0 as false.</a:t>
+            </a:r>
+            <a:endParaRPr lang="et-EE" sz="2400" i="1" dirty="0"/>
+          </a:p>
+          <a:p>
+            <a:pPr marL="342900" indent="-342900">
+              <a:buFont typeface="Arial" panose="020B0604020202020204" pitchFamily="34" charset="0"/>
+              <a:buChar char="•"/>
+            </a:pPr>
+            <a:r>
+              <a:rPr lang="et-EE" sz="2400" i="1" dirty="0" err="1"/>
+              <a:t>resting</a:t>
+            </a:r>
+            <a:r>
+              <a:rPr lang="et-EE" sz="2400" i="1" dirty="0"/>
+              <a:t> </a:t>
+            </a:r>
+            <a:r>
+              <a:rPr lang="et-EE" sz="2400" i="1" dirty="0" err="1"/>
+              <a:t>ecg</a:t>
+            </a:r>
+            <a:r>
+              <a:rPr lang="et-EE" sz="2400" i="1" dirty="0"/>
+              <a:t>. (</a:t>
+            </a:r>
+            <a:r>
+              <a:rPr lang="et-EE" sz="2400" i="1" dirty="0" err="1"/>
+              <a:t>categorical</a:t>
+            </a:r>
+            <a:r>
+              <a:rPr lang="et-EE" sz="2400" i="1" dirty="0"/>
+              <a:t>) - </a:t>
+            </a:r>
+            <a:r>
+              <a:rPr lang="en-US" sz="2400" dirty="0"/>
+              <a:t>0: Normal</a:t>
+            </a:r>
+            <a:r>
+              <a:rPr lang="et-EE" sz="2400" dirty="0"/>
+              <a:t>,</a:t>
+            </a:r>
+            <a:r>
+              <a:rPr lang="en-US" sz="2400" dirty="0"/>
+              <a:t> 1: Abnormality in ST-T wave</a:t>
+            </a:r>
+            <a:r>
+              <a:rPr lang="et-EE" sz="2400" dirty="0"/>
+              <a:t>,</a:t>
+            </a:r>
+            <a:r>
+              <a:rPr lang="en-US" sz="2400" dirty="0"/>
+              <a:t> 2: Left ventricular hypertrophy</a:t>
+            </a:r>
+            <a:endParaRPr lang="et-EE" sz="2400" i="1" dirty="0"/>
+          </a:p>
+          <a:p>
+            <a:pPr marL="342900" indent="-342900">
+              <a:buFont typeface="Arial" panose="020B0604020202020204" pitchFamily="34" charset="0"/>
+              <a:buChar char="•"/>
+            </a:pPr>
+            <a:r>
+              <a:rPr lang="et-EE" sz="2400" i="1" dirty="0" err="1"/>
+              <a:t>max</a:t>
+            </a:r>
+            <a:r>
+              <a:rPr lang="et-EE" sz="2400" i="1" dirty="0"/>
+              <a:t> </a:t>
+            </a:r>
+            <a:r>
+              <a:rPr lang="et-EE" sz="2400" i="1" dirty="0" err="1"/>
+              <a:t>heart</a:t>
+            </a:r>
+            <a:r>
+              <a:rPr lang="et-EE" sz="2400" i="1" dirty="0"/>
+              <a:t> </a:t>
+            </a:r>
+            <a:r>
+              <a:rPr lang="et-EE" sz="2400" i="1" dirty="0" err="1"/>
+              <a:t>rate</a:t>
+            </a:r>
+            <a:r>
+              <a:rPr lang="et-EE" sz="2400" i="1" dirty="0"/>
+              <a:t> (</a:t>
+            </a:r>
+            <a:r>
+              <a:rPr lang="et-EE" sz="2400" i="1" dirty="0" err="1"/>
+              <a:t>numeric</a:t>
+            </a:r>
+            <a:r>
+              <a:rPr lang="et-EE" sz="2400" i="1" dirty="0"/>
+              <a:t>) - </a:t>
+            </a:r>
+            <a:r>
+              <a:rPr lang="et-EE" sz="2400" dirty="0" err="1"/>
+              <a:t>Maximum</a:t>
+            </a:r>
+            <a:r>
+              <a:rPr lang="et-EE" sz="2400" dirty="0"/>
+              <a:t> </a:t>
+            </a:r>
+            <a:r>
+              <a:rPr lang="et-EE" sz="2400" dirty="0" err="1"/>
+              <a:t>heart</a:t>
+            </a:r>
+            <a:r>
+              <a:rPr lang="et-EE" sz="2400" dirty="0"/>
+              <a:t> </a:t>
+            </a:r>
+            <a:r>
+              <a:rPr lang="et-EE" sz="2400" dirty="0" err="1"/>
+              <a:t>rate</a:t>
+            </a:r>
+            <a:r>
+              <a:rPr lang="et-EE" sz="2400" dirty="0"/>
+              <a:t> </a:t>
+            </a:r>
+            <a:r>
+              <a:rPr lang="et-EE" sz="2400" dirty="0" err="1"/>
+              <a:t>achieved</a:t>
+            </a:r>
+            <a:endParaRPr lang="et-EE" sz="2400" i="1" dirty="0"/>
+          </a:p>
+          <a:p>
+            <a:pPr marL="342900" indent="-342900">
+              <a:buFont typeface="Arial" panose="020B0604020202020204" pitchFamily="34" charset="0"/>
+              <a:buChar char="•"/>
+            </a:pPr>
+            <a:r>
+              <a:rPr lang="et-EE" sz="2400" i="1" dirty="0" err="1"/>
+              <a:t>exercise</a:t>
+            </a:r>
+            <a:r>
+              <a:rPr lang="et-EE" sz="2400" i="1" dirty="0"/>
+              <a:t> </a:t>
+            </a:r>
+            <a:r>
+              <a:rPr lang="et-EE" sz="2400" i="1" dirty="0" err="1"/>
+              <a:t>angina</a:t>
+            </a:r>
+            <a:r>
+              <a:rPr lang="et-EE" sz="2400" i="1" dirty="0"/>
+              <a:t> (</a:t>
+            </a:r>
+            <a:r>
+              <a:rPr lang="et-EE" sz="2400" i="1" dirty="0" err="1"/>
+              <a:t>nominal</a:t>
+            </a:r>
+            <a:r>
+              <a:rPr lang="et-EE" sz="2400" i="1" dirty="0"/>
+              <a:t>) - </a:t>
+            </a:r>
+            <a:r>
+              <a:rPr lang="en-US" sz="2400" dirty="0"/>
+              <a:t>Angina induced by exercise 0: no and 1: yes</a:t>
+            </a:r>
+            <a:endParaRPr lang="et-EE" sz="2400" i="1" dirty="0"/>
+          </a:p>
+          <a:p>
+            <a:pPr marL="342900" indent="-342900">
+              <a:buFont typeface="Arial" panose="020B0604020202020204" pitchFamily="34" charset="0"/>
+              <a:buChar char="•"/>
+            </a:pPr>
+            <a:r>
+              <a:rPr lang="et-EE" sz="2400" i="1" dirty="0" err="1"/>
+              <a:t>oldpeak</a:t>
+            </a:r>
+            <a:r>
+              <a:rPr lang="et-EE" sz="2400" i="1" dirty="0"/>
+              <a:t> (</a:t>
+            </a:r>
+            <a:r>
+              <a:rPr lang="et-EE" sz="2400" i="1" dirty="0" err="1"/>
+              <a:t>numeric</a:t>
+            </a:r>
+            <a:r>
+              <a:rPr lang="et-EE" sz="2400" i="1" dirty="0"/>
+              <a:t>) - </a:t>
+            </a:r>
+            <a:r>
+              <a:rPr lang="en-US" sz="2400" dirty="0"/>
+              <a:t>Exercise induced ST-depression in comparison with the state of rest.</a:t>
+            </a:r>
+            <a:endParaRPr lang="et-EE" sz="2400" i="1" dirty="0"/>
+          </a:p>
+          <a:p>
+            <a:pPr marL="342900" indent="-342900">
+              <a:buFont typeface="Arial" panose="020B0604020202020204" pitchFamily="34" charset="0"/>
+              <a:buChar char="•"/>
+            </a:pPr>
+            <a:r>
+              <a:rPr lang="et-EE" sz="2400" i="1" dirty="0"/>
+              <a:t>ST </a:t>
+            </a:r>
+            <a:r>
+              <a:rPr lang="et-EE" sz="2400" i="1" dirty="0" err="1"/>
+              <a:t>slope</a:t>
+            </a:r>
+            <a:r>
+              <a:rPr lang="et-EE" sz="2400" i="1" dirty="0"/>
+              <a:t> (</a:t>
+            </a:r>
+            <a:r>
+              <a:rPr lang="et-EE" sz="2400" i="1" dirty="0" err="1"/>
+              <a:t>categorical</a:t>
+            </a:r>
+            <a:r>
+              <a:rPr lang="et-EE" sz="2400" i="1" dirty="0"/>
+              <a:t>) - </a:t>
+            </a:r>
+            <a:r>
+              <a:rPr lang="en-US" sz="2400" dirty="0"/>
+              <a:t>0: Normal 1: Upsloping 2: Flat 3: </a:t>
+            </a:r>
+            <a:r>
+              <a:rPr lang="en-US" sz="2400" dirty="0" err="1"/>
+              <a:t>Downsloping</a:t>
+            </a:r>
+            <a:endParaRPr lang="et-EE" sz="2400" i="1" dirty="0"/>
+          </a:p>
+          <a:p>
+            <a:pPr marL="342900" indent="-342900">
+              <a:buFont typeface="Arial" panose="020B0604020202020204" pitchFamily="34" charset="0"/>
+              <a:buChar char="•"/>
+            </a:pPr>
+            <a:r>
+              <a:rPr lang="et-EE" sz="2400" i="1" dirty="0" err="1"/>
+              <a:t>target</a:t>
+            </a:r>
+            <a:r>
+              <a:rPr lang="et-EE" sz="2400" i="1" dirty="0"/>
+              <a:t> (</a:t>
+            </a:r>
+            <a:r>
+              <a:rPr lang="et-EE" sz="2400" i="1" dirty="0" err="1"/>
+              <a:t>nominal</a:t>
+            </a:r>
+            <a:r>
+              <a:rPr lang="et-EE" sz="2400" i="1" dirty="0"/>
+              <a:t>) - </a:t>
+            </a:r>
+            <a:r>
+              <a:rPr lang="en-US" sz="2400" dirty="0"/>
+              <a:t>Heart risk, 1: heart disease 0: normal</a:t>
+            </a:r>
+            <a:endParaRPr lang="et-EE" sz="2400" i="1" dirty="0"/>
+          </a:p>
+        </p:txBody>
+      </p:sp>
+      <p:sp>
+        <p:nvSpPr>
+          <p:cNvPr id="23" name="Rectangle 1">
+            <a:extLst>
+              <a:ext uri="{FF2B5EF4-FFF2-40B4-BE49-F238E27FC236}">
+                <a16:creationId xmlns:a16="http://schemas.microsoft.com/office/drawing/2014/main" id="{6C5F1EF6-946E-4853-8316-766EB185B1A6}"/>
+              </a:ext>
+            </a:extLst>
+          </p:cNvPr>
+          <p:cNvSpPr>
+            <a:spLocks noChangeArrowheads="1"/>
+          </p:cNvSpPr>
+          <p:nvPr/>
+        </p:nvSpPr>
+        <p:spPr bwMode="auto">
+          <a:xfrm>
+            <a:off x="0" y="0"/>
+            <a:ext cx="30275213" cy="457200"/>
+          </a:xfrm>
+          <a:prstGeom prst="rect">
+            <a:avLst/>
+          </a:prstGeom>
+          <a:noFill/>
+          <a:ln>
+            <a:noFill/>
+          </a:ln>
+          <a:effectLst/>
+          <a:extLst>
+            <a:ext uri="{909E8E84-426E-40DD-AFC4-6F175D3DCCD1}">
+              <a14:hiddenFill xmlns:a14="http://schemas.microsoft.com/office/drawing/2010/main">
+                <a:solidFill>
+                  <a:schemeClr val="accent1"/>
+                </a:solidFill>
+              </a14:hiddenFill>
+            </a:ext>
+            <a:ext uri="{91240B29-F687-4F45-9708-019B960494DF}">
+              <a14:hiddenLine xmlns:a14="http://schemas.microsoft.com/office/drawing/2010/main" w="9525">
+                <a:solidFill>
+                  <a:schemeClr val="tx1"/>
+                </a:solidFill>
+                <a:miter lim="800000"/>
+                <a:headEnd/>
+                <a:tailEnd/>
+              </a14:hiddenLine>
+            </a:ext>
+            <a:ext uri="{AF507438-7753-43E0-B8FC-AC1667EBCBE1}">
+              <a14:hiddenEffects xmlns:a14="http://schemas.microsoft.com/office/drawing/2010/main">
+                <a:effectLst>
+                  <a:outerShdw dist="35921" dir="2700000" algn="ctr" rotWithShape="0">
+                    <a:schemeClr val="bg2"/>
+                  </a:outerShdw>
+                </a:effectLst>
+              </a14:hiddenEffects>
+            </a:ext>
+          </a:extLst>
+        </p:spPr>
+        <p:txBody>
+          <a:bodyPr vert="horz" wrap="none" lIns="91440" tIns="45720" rIns="91440" bIns="45720" numCol="1" anchor="ctr" anchorCtr="0" compatLnSpc="1">
+            <a:prstTxWarp prst="textNoShape">
+              <a:avLst/>
+            </a:prstTxWarp>
+            <a:spAutoFit/>
+          </a:bodyPr>
+          <a:lstStyle/>
+          <a:p>
+            <a:pPr marL="0" marR="0" lvl="0" indent="0" algn="l" defTabSz="914400" rtl="0" eaLnBrk="0" fontAlgn="base" latinLnBrk="0" hangingPunct="0">
+              <a:lnSpc>
+                <a:spcPct val="100000"/>
+              </a:lnSpc>
+              <a:spcBef>
+                <a:spcPct val="0"/>
+              </a:spcBef>
+              <a:spcAft>
+                <a:spcPct val="0"/>
+              </a:spcAft>
+              <a:buClrTx/>
+              <a:buSzTx/>
+              <a:buFontTx/>
+              <a:buNone/>
+              <a:tabLst/>
+            </a:pPr>
+            <a:r>
+              <a:rPr kumimoji="0" lang="et-EE" altLang="et-EE" sz="1100" b="0" i="0" u="none" strike="noStrike" cap="none" normalizeH="0" baseline="0">
+                <a:ln>
+                  <a:noFill/>
+                </a:ln>
+                <a:solidFill>
+                  <a:srgbClr val="000000"/>
+                </a:solidFill>
+                <a:effectLst/>
+                <a:latin typeface="Arial" panose="020B0604020202020204" pitchFamily="34" charset="0"/>
+                <a:cs typeface="Arial" panose="020B0604020202020204" pitchFamily="34" charset="0"/>
+              </a:rPr>
+              <a:t>ST slope (categorical)</a:t>
+            </a:r>
+            <a:r>
+              <a:rPr kumimoji="0" lang="et-EE" altLang="et-EE" sz="1900" b="0" i="0" u="none" strike="noStrike" cap="none" normalizeH="0" baseline="0">
+                <a:ln>
+                  <a:noFill/>
+                </a:ln>
+                <a:solidFill>
+                  <a:schemeClr val="tx1"/>
+                </a:solidFill>
+                <a:effectLst/>
+              </a:rPr>
+              <a:t> </a:t>
+            </a:r>
+            <a:endParaRPr kumimoji="0" lang="et-EE" altLang="et-EE" sz="1800" b="0" i="0" u="none" strike="noStrike" cap="none" normalizeH="0" baseline="0">
+              <a:ln>
+                <a:noFill/>
+              </a:ln>
+              <a:solidFill>
+                <a:schemeClr val="tx1"/>
+              </a:solidFill>
+              <a:effectLst/>
+              <a:latin typeface="Arial" panose="020B0604020202020204" pitchFamily="34" charset="0"/>
             </a:endParaRPr>
           </a:p>
         </p:txBody>

--- a/Poster.pptx
+++ b/Poster.pptx
@@ -3546,7 +3546,7 @@
         </p:nvSpPr>
         <p:spPr>
           <a:xfrm>
-            <a:off x="1574007" y="33159192"/>
+            <a:off x="1574004" y="33399781"/>
             <a:ext cx="27127199" cy="8897752"/>
           </a:xfrm>
           <a:prstGeom prst="roundRect">
@@ -3590,10 +3590,10 @@
       </p:sp>
       <p:pic>
         <p:nvPicPr>
-          <p:cNvPr id="1028" name="Picture 4">
+          <p:cNvPr id="1032" name="Picture 8">
             <a:extLst>
               <a:ext uri="{FF2B5EF4-FFF2-40B4-BE49-F238E27FC236}">
-                <a16:creationId xmlns:a16="http://schemas.microsoft.com/office/drawing/2014/main" id="{89225613-CD15-41F8-8BA5-9F99BC0D3E66}"/>
+                <a16:creationId xmlns:a16="http://schemas.microsoft.com/office/drawing/2014/main" id="{8D23C896-F8AF-4AEE-856A-A2E78680547D}"/>
               </a:ext>
             </a:extLst>
           </p:cNvPr>
@@ -3617,8 +3617,8 @@
         </p:blipFill>
         <p:spPr bwMode="auto">
           <a:xfrm>
-            <a:off x="17153334" y="33509118"/>
-            <a:ext cx="10720863" cy="8166775"/>
+            <a:off x="16759952" y="16443176"/>
+            <a:ext cx="11114245" cy="8670841"/>
           </a:xfrm>
           <a:prstGeom prst="rect">
             <a:avLst/>
@@ -3637,10 +3637,10 @@
       </p:pic>
       <p:pic>
         <p:nvPicPr>
-          <p:cNvPr id="1032" name="Picture 8">
+          <p:cNvPr id="1034" name="Picture 10">
             <a:extLst>
               <a:ext uri="{FF2B5EF4-FFF2-40B4-BE49-F238E27FC236}">
-                <a16:creationId xmlns:a16="http://schemas.microsoft.com/office/drawing/2014/main" id="{8D23C896-F8AF-4AEE-856A-A2E78680547D}"/>
+                <a16:creationId xmlns:a16="http://schemas.microsoft.com/office/drawing/2014/main" id="{FC95D01C-19AE-4973-AB55-BD930EADBCEE}"/>
               </a:ext>
             </a:extLst>
           </p:cNvPr>
@@ -3664,53 +3664,6 @@
         </p:blipFill>
         <p:spPr bwMode="auto">
           <a:xfrm>
-            <a:off x="16759952" y="16443176"/>
-            <a:ext cx="11114245" cy="8670841"/>
-          </a:xfrm>
-          <a:prstGeom prst="rect">
-            <a:avLst/>
-          </a:prstGeom>
-          <a:noFill/>
-          <a:extLst>
-            <a:ext uri="{909E8E84-426E-40DD-AFC4-6F175D3DCCD1}">
-              <a14:hiddenFill xmlns:a14="http://schemas.microsoft.com/office/drawing/2010/main">
-                <a:solidFill>
-                  <a:srgbClr val="FFFFFF"/>
-                </a:solidFill>
-              </a14:hiddenFill>
-            </a:ext>
-          </a:extLst>
-        </p:spPr>
-      </p:pic>
-      <p:pic>
-        <p:nvPicPr>
-          <p:cNvPr id="1034" name="Picture 10">
-            <a:extLst>
-              <a:ext uri="{FF2B5EF4-FFF2-40B4-BE49-F238E27FC236}">
-                <a16:creationId xmlns:a16="http://schemas.microsoft.com/office/drawing/2014/main" id="{FC95D01C-19AE-4973-AB55-BD930EADBCEE}"/>
-              </a:ext>
-            </a:extLst>
-          </p:cNvPr>
-          <p:cNvPicPr>
-            <a:picLocks noChangeAspect="1" noChangeArrowheads="1"/>
-          </p:cNvPicPr>
-          <p:nvPr/>
-        </p:nvPicPr>
-        <p:blipFill>
-          <a:blip r:embed="rId4">
-            <a:extLst>
-              <a:ext uri="{28A0092B-C50C-407E-A947-70E740481C1C}">
-                <a14:useLocalDpi xmlns:a14="http://schemas.microsoft.com/office/drawing/2010/main" val="0"/>
-              </a:ext>
-            </a:extLst>
-          </a:blip>
-          <a:srcRect/>
-          <a:stretch>
-            <a:fillRect/>
-          </a:stretch>
-        </p:blipFill>
-        <p:spPr bwMode="auto">
-          <a:xfrm>
             <a:off x="3092291" y="26133333"/>
             <a:ext cx="6051709" cy="3894453"/>
           </a:xfrm>
@@ -3744,7 +3697,7 @@
           <p:nvPr/>
         </p:nvPicPr>
         <p:blipFill>
-          <a:blip r:embed="rId5"/>
+          <a:blip r:embed="rId4"/>
           <a:stretch>
             <a:fillRect/>
           </a:stretch>
@@ -3850,7 +3803,7 @@
         </p:nvSpPr>
         <p:spPr>
           <a:xfrm>
-            <a:off x="8416885" y="33509118"/>
+            <a:off x="4497952" y="33631844"/>
             <a:ext cx="3718560" cy="1200329"/>
           </a:xfrm>
           <a:prstGeom prst="rect">
@@ -4549,8 +4502,8 @@
         </p:nvSpPr>
         <p:spPr>
           <a:xfrm>
-            <a:off x="15879486" y="7620000"/>
-            <a:ext cx="12420600" cy="7109639"/>
+            <a:off x="15879486" y="7307643"/>
+            <a:ext cx="12420600" cy="8094524"/>
           </a:xfrm>
           <a:prstGeom prst="rect">
             <a:avLst/>
@@ -4564,40 +4517,40 @@
           <a:lstStyle/>
           <a:p>
             <a:r>
-              <a:rPr lang="et-EE" sz="2400" i="1" dirty="0" err="1"/>
+              <a:rPr lang="et-EE" sz="2600" i="1" dirty="0" err="1"/>
               <a:t>Our</a:t>
             </a:r>
             <a:r>
-              <a:rPr lang="et-EE" sz="2400" i="1" dirty="0"/>
+              <a:rPr lang="et-EE" sz="2600" i="1" dirty="0"/>
               <a:t> </a:t>
             </a:r>
             <a:r>
-              <a:rPr lang="en-US" sz="2400" i="1" dirty="0"/>
+              <a:rPr lang="en-US" sz="2600" i="1" dirty="0"/>
               <a:t>database has data from different datasets, which have been combined</a:t>
             </a:r>
             <a:r>
-              <a:rPr lang="et-EE" sz="2400" i="1" dirty="0"/>
+              <a:rPr lang="et-EE" sz="2600" i="1" dirty="0"/>
               <a:t>. </a:t>
             </a:r>
             <a:r>
-              <a:rPr lang="en-US" sz="2400" i="1" dirty="0"/>
+              <a:rPr lang="en-US" sz="2600" i="1" dirty="0"/>
               <a:t>There is data from Cleveland with 303 instances, from Hungary with 294 instances, from Switzerland with 123 instances, from Long Beach VA with 200 instances and from another general dataset with 270 instances.</a:t>
             </a:r>
             <a:r>
-              <a:rPr lang="et-EE" sz="2400" i="1" dirty="0"/>
+              <a:rPr lang="et-EE" sz="2600" i="1" dirty="0"/>
               <a:t> The </a:t>
             </a:r>
             <a:r>
-              <a:rPr lang="et-EE" sz="2400" i="1" dirty="0" err="1"/>
+              <a:rPr lang="et-EE" sz="2600" i="1" dirty="0" err="1"/>
               <a:t>features</a:t>
             </a:r>
             <a:r>
-              <a:rPr lang="et-EE" sz="2400" i="1" dirty="0"/>
+              <a:rPr lang="et-EE" sz="2600" i="1" dirty="0"/>
               <a:t> are: </a:t>
             </a:r>
           </a:p>
           <a:p>
-            <a:endParaRPr lang="et-EE" sz="2400" i="1" dirty="0"/>
+            <a:endParaRPr lang="et-EE" sz="2600" i="1" dirty="0"/>
           </a:p>
           <a:p>
             <a:pPr marL="342900" indent="-342900">
@@ -4605,46 +4558,46 @@
               <a:buChar char="•"/>
             </a:pPr>
             <a:r>
-              <a:rPr lang="et-EE" sz="2400" i="1" dirty="0" err="1"/>
+              <a:rPr lang="et-EE" sz="2600" i="1" dirty="0" err="1"/>
               <a:t>age</a:t>
             </a:r>
             <a:r>
-              <a:rPr lang="et-EE" sz="2400" i="1" dirty="0"/>
+              <a:rPr lang="et-EE" sz="2600" i="1" dirty="0"/>
               <a:t> (</a:t>
             </a:r>
             <a:r>
-              <a:rPr lang="et-EE" sz="2400" i="1" dirty="0" err="1"/>
+              <a:rPr lang="et-EE" sz="2600" i="1" dirty="0" err="1"/>
               <a:t>numeric</a:t>
             </a:r>
             <a:r>
-              <a:rPr lang="et-EE" sz="2400" i="1" dirty="0"/>
+              <a:rPr lang="et-EE" sz="2600" i="1" dirty="0"/>
               <a:t>) - </a:t>
             </a:r>
             <a:r>
-              <a:rPr lang="et-EE" sz="2400" dirty="0" err="1"/>
+              <a:rPr lang="et-EE" sz="2600" dirty="0" err="1"/>
               <a:t>Patient’s</a:t>
             </a:r>
             <a:r>
-              <a:rPr lang="et-EE" sz="2400" dirty="0"/>
+              <a:rPr lang="et-EE" sz="2600" dirty="0"/>
               <a:t> </a:t>
             </a:r>
             <a:r>
-              <a:rPr lang="et-EE" sz="2400" dirty="0" err="1"/>
+              <a:rPr lang="et-EE" sz="2600" dirty="0" err="1"/>
               <a:t>age</a:t>
             </a:r>
             <a:r>
-              <a:rPr lang="et-EE" sz="2400" dirty="0"/>
+              <a:rPr lang="et-EE" sz="2600" dirty="0"/>
               <a:t> in </a:t>
             </a:r>
             <a:r>
-              <a:rPr lang="et-EE" sz="2400" dirty="0" err="1"/>
+              <a:rPr lang="et-EE" sz="2600" dirty="0" err="1"/>
               <a:t>years</a:t>
             </a:r>
             <a:r>
-              <a:rPr lang="et-EE" sz="2400" dirty="0"/>
+              <a:rPr lang="et-EE" sz="2600" dirty="0"/>
               <a:t>.</a:t>
             </a:r>
-            <a:endParaRPr lang="et-EE" sz="2400" i="1" dirty="0"/>
+            <a:endParaRPr lang="et-EE" sz="2600" i="1" dirty="0"/>
           </a:p>
           <a:p>
             <a:pPr marL="342900" indent="-342900">
@@ -4652,18 +4605,18 @@
               <a:buChar char="•"/>
             </a:pPr>
             <a:r>
-              <a:rPr lang="et-EE" sz="2400" i="1" dirty="0" err="1"/>
+              <a:rPr lang="et-EE" sz="2600" i="1" dirty="0" err="1"/>
               <a:t>sex</a:t>
             </a:r>
             <a:r>
-              <a:rPr lang="et-EE" sz="2400" i="1" dirty="0"/>
+              <a:rPr lang="et-EE" sz="2600" i="1" dirty="0"/>
               <a:t> (nominaal) - </a:t>
             </a:r>
             <a:r>
-              <a:rPr lang="en-US" sz="2400" dirty="0"/>
+              <a:rPr lang="en-US" sz="2600" dirty="0"/>
               <a:t>Patient’s gender. Male is 1 and Female is 0.</a:t>
             </a:r>
-            <a:endParaRPr lang="et-EE" sz="2400" i="1" dirty="0"/>
+            <a:endParaRPr lang="et-EE" sz="2600" i="1" dirty="0"/>
           </a:p>
           <a:p>
             <a:pPr marL="342900" indent="-342900">
@@ -4671,82 +4624,82 @@
               <a:buChar char="•"/>
             </a:pPr>
             <a:r>
-              <a:rPr lang="et-EE" sz="2400" i="1" dirty="0" err="1"/>
+              <a:rPr lang="et-EE" sz="2600" i="1" dirty="0" err="1"/>
               <a:t>chest</a:t>
             </a:r>
             <a:r>
-              <a:rPr lang="et-EE" sz="2400" i="1" dirty="0"/>
+              <a:rPr lang="et-EE" sz="2600" i="1" dirty="0"/>
               <a:t> </a:t>
             </a:r>
             <a:r>
-              <a:rPr lang="et-EE" sz="2400" i="1" dirty="0" err="1"/>
+              <a:rPr lang="et-EE" sz="2600" i="1" dirty="0" err="1"/>
               <a:t>pain</a:t>
             </a:r>
             <a:r>
-              <a:rPr lang="et-EE" sz="2400" i="1" dirty="0"/>
+              <a:rPr lang="et-EE" sz="2600" i="1" dirty="0"/>
               <a:t> </a:t>
             </a:r>
             <a:r>
-              <a:rPr lang="et-EE" sz="2400" i="1" dirty="0" err="1"/>
+              <a:rPr lang="et-EE" sz="2600" i="1" dirty="0" err="1"/>
               <a:t>type</a:t>
             </a:r>
             <a:r>
-              <a:rPr lang="et-EE" sz="2400" i="1" dirty="0"/>
+              <a:rPr lang="et-EE" sz="2600" i="1" dirty="0"/>
               <a:t> (</a:t>
             </a:r>
             <a:r>
-              <a:rPr lang="et-EE" sz="2400" i="1" dirty="0" err="1"/>
+              <a:rPr lang="et-EE" sz="2600" i="1" dirty="0" err="1"/>
               <a:t>categorical</a:t>
             </a:r>
             <a:r>
-              <a:rPr lang="et-EE" sz="2400" i="1" dirty="0"/>
+              <a:rPr lang="et-EE" sz="2600" i="1" dirty="0"/>
               <a:t>) - </a:t>
             </a:r>
             <a:r>
-              <a:rPr lang="et-EE" sz="2400" dirty="0"/>
+              <a:rPr lang="et-EE" sz="2600" dirty="0"/>
               <a:t>1 - </a:t>
             </a:r>
             <a:r>
-              <a:rPr lang="et-EE" sz="2400" dirty="0" err="1"/>
+              <a:rPr lang="et-EE" sz="2600" dirty="0" err="1"/>
               <a:t>typical</a:t>
             </a:r>
             <a:r>
-              <a:rPr lang="et-EE" sz="2400" dirty="0"/>
+              <a:rPr lang="et-EE" sz="2600" dirty="0"/>
               <a:t>; 2 - </a:t>
             </a:r>
             <a:r>
-              <a:rPr lang="et-EE" sz="2400" dirty="0" err="1"/>
+              <a:rPr lang="et-EE" sz="2600" dirty="0" err="1"/>
               <a:t>typical</a:t>
             </a:r>
             <a:r>
-              <a:rPr lang="et-EE" sz="2400" dirty="0"/>
+              <a:rPr lang="et-EE" sz="2600" dirty="0"/>
               <a:t> </a:t>
             </a:r>
             <a:r>
-              <a:rPr lang="et-EE" sz="2400" dirty="0" err="1"/>
+              <a:rPr lang="et-EE" sz="2600" dirty="0" err="1"/>
               <a:t>angina</a:t>
             </a:r>
             <a:r>
-              <a:rPr lang="et-EE" sz="2400" dirty="0"/>
+              <a:rPr lang="et-EE" sz="2600" dirty="0"/>
               <a:t>; 3 - non-</a:t>
             </a:r>
             <a:r>
-              <a:rPr lang="et-EE" sz="2400" dirty="0" err="1"/>
+              <a:rPr lang="et-EE" sz="2600" dirty="0" err="1"/>
               <a:t>angina</a:t>
             </a:r>
             <a:r>
-              <a:rPr lang="et-EE" sz="2400" dirty="0"/>
+              <a:rPr lang="et-EE" sz="2600" dirty="0"/>
               <a:t>; 4 - </a:t>
             </a:r>
             <a:r>
-              <a:rPr lang="et-EE" sz="2400" dirty="0" err="1"/>
+              <a:rPr lang="et-EE" sz="2600" dirty="0" err="1"/>
               <a:t>asymptomatic</a:t>
             </a:r>
             <a:r>
-              <a:rPr lang="et-EE" sz="2400" dirty="0"/>
+              <a:rPr lang="et-EE" sz="2600" dirty="0"/>
               <a:t>.</a:t>
             </a:r>
-            <a:endParaRPr lang="et-EE" sz="2400" i="1" dirty="0"/>
+            <a:endParaRPr lang="et-EE" sz="2600" i="1" dirty="0"/>
           </a:p>
           <a:p>
             <a:pPr marL="342900" indent="-342900">
@@ -4754,34 +4707,34 @@
               <a:buChar char="•"/>
             </a:pPr>
             <a:r>
-              <a:rPr lang="et-EE" sz="2400" i="1" dirty="0" err="1"/>
+              <a:rPr lang="et-EE" sz="2600" i="1" dirty="0" err="1"/>
               <a:t>resting</a:t>
             </a:r>
             <a:r>
-              <a:rPr lang="et-EE" sz="2400" i="1" dirty="0"/>
+              <a:rPr lang="et-EE" sz="2600" i="1" dirty="0"/>
               <a:t> </a:t>
             </a:r>
             <a:r>
-              <a:rPr lang="et-EE" sz="2400" i="1" dirty="0" err="1"/>
+              <a:rPr lang="et-EE" sz="2600" i="1" dirty="0" err="1"/>
               <a:t>bs</a:t>
             </a:r>
             <a:r>
-              <a:rPr lang="et-EE" sz="2400" i="1" dirty="0"/>
+              <a:rPr lang="et-EE" sz="2600" i="1" dirty="0"/>
               <a:t> s (</a:t>
             </a:r>
             <a:r>
-              <a:rPr lang="et-EE" sz="2400" i="1" dirty="0" err="1"/>
+              <a:rPr lang="et-EE" sz="2600" i="1" dirty="0" err="1"/>
               <a:t>numeric</a:t>
             </a:r>
             <a:r>
-              <a:rPr lang="et-EE" sz="2400" i="1" dirty="0"/>
+              <a:rPr lang="et-EE" sz="2600" i="1" dirty="0"/>
               <a:t>) -  </a:t>
             </a:r>
             <a:r>
-              <a:rPr lang="en-US" sz="2400" dirty="0"/>
+              <a:rPr lang="en-US" sz="2600" dirty="0"/>
               <a:t>Level of blood pressure at resting mode in mm/GG.</a:t>
             </a:r>
-            <a:endParaRPr lang="et-EE" sz="2400" i="1" dirty="0"/>
+            <a:endParaRPr lang="et-EE" sz="2600" i="1" dirty="0"/>
           </a:p>
           <a:p>
             <a:pPr marL="342900" indent="-342900">
@@ -4789,26 +4742,26 @@
               <a:buChar char="•"/>
             </a:pPr>
             <a:r>
-              <a:rPr lang="et-EE" sz="2400" i="1" dirty="0" err="1"/>
+              <a:rPr lang="et-EE" sz="2600" i="1" dirty="0" err="1"/>
               <a:t>cholesterol</a:t>
             </a:r>
             <a:r>
-              <a:rPr lang="et-EE" sz="2400" i="1" dirty="0"/>
+              <a:rPr lang="et-EE" sz="2600" i="1" dirty="0"/>
               <a:t> (</a:t>
             </a:r>
             <a:r>
-              <a:rPr lang="et-EE" sz="2400" i="1" dirty="0" err="1"/>
+              <a:rPr lang="et-EE" sz="2600" i="1" dirty="0" err="1"/>
               <a:t>numeric</a:t>
             </a:r>
             <a:r>
-              <a:rPr lang="et-EE" sz="2400" i="1" dirty="0"/>
+              <a:rPr lang="et-EE" sz="2600" i="1" dirty="0"/>
               <a:t>) - </a:t>
             </a:r>
             <a:r>
-              <a:rPr lang="nl-NL" sz="2400" dirty="0"/>
+              <a:rPr lang="nl-NL" sz="2600" dirty="0"/>
               <a:t>Serum cholesterol in mg/dl.</a:t>
             </a:r>
-            <a:endParaRPr lang="et-EE" sz="2400" i="1" dirty="0"/>
+            <a:endParaRPr lang="et-EE" sz="2600" i="1" dirty="0"/>
           </a:p>
           <a:p>
             <a:pPr marL="342900" indent="-342900">
@@ -4816,42 +4769,42 @@
               <a:buChar char="•"/>
             </a:pPr>
             <a:r>
-              <a:rPr lang="et-EE" sz="2400" i="1" dirty="0" err="1"/>
+              <a:rPr lang="et-EE" sz="2600" i="1" dirty="0" err="1"/>
               <a:t>fasting</a:t>
             </a:r>
             <a:r>
-              <a:rPr lang="et-EE" sz="2400" i="1" dirty="0"/>
+              <a:rPr lang="et-EE" sz="2600" i="1" dirty="0"/>
               <a:t> </a:t>
             </a:r>
             <a:r>
-              <a:rPr lang="et-EE" sz="2400" i="1" dirty="0" err="1"/>
+              <a:rPr lang="et-EE" sz="2600" i="1" dirty="0" err="1"/>
               <a:t>blood</a:t>
             </a:r>
             <a:r>
-              <a:rPr lang="et-EE" sz="2400" i="1" dirty="0"/>
+              <a:rPr lang="et-EE" sz="2600" i="1" dirty="0"/>
               <a:t> </a:t>
             </a:r>
             <a:r>
-              <a:rPr lang="et-EE" sz="2400" i="1" dirty="0" err="1"/>
+              <a:rPr lang="et-EE" sz="2600" i="1" dirty="0" err="1"/>
               <a:t>sugar</a:t>
             </a:r>
             <a:r>
-              <a:rPr lang="et-EE" sz="2400" i="1" dirty="0"/>
+              <a:rPr lang="et-EE" sz="2600" i="1" dirty="0"/>
               <a:t> (</a:t>
             </a:r>
             <a:r>
-              <a:rPr lang="et-EE" sz="2400" i="1" dirty="0" err="1"/>
+              <a:rPr lang="et-EE" sz="2600" i="1" dirty="0" err="1"/>
               <a:t>nominal</a:t>
             </a:r>
             <a:r>
-              <a:rPr lang="et-EE" sz="2400" i="1" dirty="0"/>
+              <a:rPr lang="et-EE" sz="2600" i="1" dirty="0"/>
               <a:t>) - </a:t>
             </a:r>
             <a:r>
-              <a:rPr lang="en-US" sz="2400" dirty="0"/>
+              <a:rPr lang="en-US" sz="2600" dirty="0"/>
               <a:t>Blood sugar levels on fasting &gt; 120 mg/dl represent 1 in case of true and 0 as false.</a:t>
             </a:r>
-            <a:endParaRPr lang="et-EE" sz="2400" i="1" dirty="0"/>
+            <a:endParaRPr lang="et-EE" sz="2600" i="1" dirty="0"/>
           </a:p>
           <a:p>
             <a:pPr marL="342900" indent="-342900">
@@ -4859,50 +4812,50 @@
               <a:buChar char="•"/>
             </a:pPr>
             <a:r>
-              <a:rPr lang="et-EE" sz="2400" i="1" dirty="0" err="1"/>
+              <a:rPr lang="et-EE" sz="2600" i="1" dirty="0" err="1"/>
               <a:t>resting</a:t>
             </a:r>
             <a:r>
-              <a:rPr lang="et-EE" sz="2400" i="1" dirty="0"/>
+              <a:rPr lang="et-EE" sz="2600" i="1" dirty="0"/>
               <a:t> </a:t>
             </a:r>
             <a:r>
-              <a:rPr lang="et-EE" sz="2400" i="1" dirty="0" err="1"/>
+              <a:rPr lang="et-EE" sz="2600" i="1" dirty="0" err="1"/>
               <a:t>ecg</a:t>
             </a:r>
             <a:r>
-              <a:rPr lang="et-EE" sz="2400" i="1" dirty="0"/>
+              <a:rPr lang="et-EE" sz="2600" i="1" dirty="0"/>
               <a:t>. (</a:t>
             </a:r>
             <a:r>
-              <a:rPr lang="et-EE" sz="2400" i="1" dirty="0" err="1"/>
+              <a:rPr lang="et-EE" sz="2600" i="1" dirty="0" err="1"/>
               <a:t>categorical</a:t>
             </a:r>
             <a:r>
-              <a:rPr lang="et-EE" sz="2400" i="1" dirty="0"/>
+              <a:rPr lang="et-EE" sz="2600" i="1" dirty="0"/>
               <a:t>) - </a:t>
             </a:r>
             <a:r>
-              <a:rPr lang="en-US" sz="2400" dirty="0"/>
+              <a:rPr lang="en-US" sz="2600" dirty="0"/>
               <a:t>0: Normal</a:t>
             </a:r>
             <a:r>
-              <a:rPr lang="et-EE" sz="2400" dirty="0"/>
+              <a:rPr lang="et-EE" sz="2600" dirty="0"/>
               <a:t>,</a:t>
             </a:r>
             <a:r>
-              <a:rPr lang="en-US" sz="2400" dirty="0"/>
+              <a:rPr lang="en-US" sz="2600" dirty="0"/>
               <a:t> 1: Abnormality in ST-T wave</a:t>
             </a:r>
             <a:r>
-              <a:rPr lang="et-EE" sz="2400" dirty="0"/>
+              <a:rPr lang="et-EE" sz="2600" dirty="0"/>
               <a:t>,</a:t>
             </a:r>
             <a:r>
-              <a:rPr lang="en-US" sz="2400" dirty="0"/>
+              <a:rPr lang="en-US" sz="2600" dirty="0"/>
               <a:t> 2: Left ventricular hypertrophy</a:t>
             </a:r>
-            <a:endParaRPr lang="et-EE" sz="2400" i="1" dirty="0"/>
+            <a:endParaRPr lang="et-EE" sz="2600" i="1" dirty="0"/>
           </a:p>
           <a:p>
             <a:pPr marL="342900" indent="-342900">
@@ -4910,66 +4863,66 @@
               <a:buChar char="•"/>
             </a:pPr>
             <a:r>
-              <a:rPr lang="et-EE" sz="2400" i="1" dirty="0" err="1"/>
+              <a:rPr lang="et-EE" sz="2600" i="1" dirty="0" err="1"/>
               <a:t>max</a:t>
             </a:r>
             <a:r>
-              <a:rPr lang="et-EE" sz="2400" i="1" dirty="0"/>
+              <a:rPr lang="et-EE" sz="2600" i="1" dirty="0"/>
               <a:t> </a:t>
             </a:r>
             <a:r>
-              <a:rPr lang="et-EE" sz="2400" i="1" dirty="0" err="1"/>
+              <a:rPr lang="et-EE" sz="2600" i="1" dirty="0" err="1"/>
               <a:t>heart</a:t>
             </a:r>
             <a:r>
-              <a:rPr lang="et-EE" sz="2400" i="1" dirty="0"/>
+              <a:rPr lang="et-EE" sz="2600" i="1" dirty="0"/>
               <a:t> </a:t>
             </a:r>
             <a:r>
-              <a:rPr lang="et-EE" sz="2400" i="1" dirty="0" err="1"/>
+              <a:rPr lang="et-EE" sz="2600" i="1" dirty="0" err="1"/>
               <a:t>rate</a:t>
             </a:r>
             <a:r>
-              <a:rPr lang="et-EE" sz="2400" i="1" dirty="0"/>
+              <a:rPr lang="et-EE" sz="2600" i="1" dirty="0"/>
               <a:t> (</a:t>
             </a:r>
             <a:r>
-              <a:rPr lang="et-EE" sz="2400" i="1" dirty="0" err="1"/>
+              <a:rPr lang="et-EE" sz="2600" i="1" dirty="0" err="1"/>
               <a:t>numeric</a:t>
             </a:r>
             <a:r>
-              <a:rPr lang="et-EE" sz="2400" i="1" dirty="0"/>
+              <a:rPr lang="et-EE" sz="2600" i="1" dirty="0"/>
               <a:t>) - </a:t>
             </a:r>
             <a:r>
-              <a:rPr lang="et-EE" sz="2400" dirty="0" err="1"/>
+              <a:rPr lang="et-EE" sz="2600" dirty="0" err="1"/>
               <a:t>Maximum</a:t>
             </a:r>
             <a:r>
-              <a:rPr lang="et-EE" sz="2400" dirty="0"/>
+              <a:rPr lang="et-EE" sz="2600" dirty="0"/>
               <a:t> </a:t>
             </a:r>
             <a:r>
-              <a:rPr lang="et-EE" sz="2400" dirty="0" err="1"/>
+              <a:rPr lang="et-EE" sz="2600" dirty="0" err="1"/>
               <a:t>heart</a:t>
             </a:r>
             <a:r>
-              <a:rPr lang="et-EE" sz="2400" dirty="0"/>
+              <a:rPr lang="et-EE" sz="2600" dirty="0"/>
               <a:t> </a:t>
             </a:r>
             <a:r>
-              <a:rPr lang="et-EE" sz="2400" dirty="0" err="1"/>
+              <a:rPr lang="et-EE" sz="2600" dirty="0" err="1"/>
               <a:t>rate</a:t>
             </a:r>
             <a:r>
-              <a:rPr lang="et-EE" sz="2400" dirty="0"/>
+              <a:rPr lang="et-EE" sz="2600" dirty="0"/>
               <a:t> </a:t>
             </a:r>
             <a:r>
-              <a:rPr lang="et-EE" sz="2400" dirty="0" err="1"/>
+              <a:rPr lang="et-EE" sz="2600" dirty="0" err="1"/>
               <a:t>achieved</a:t>
             </a:r>
-            <a:endParaRPr lang="et-EE" sz="2400" i="1" dirty="0"/>
+            <a:endParaRPr lang="et-EE" sz="2600" i="1" dirty="0"/>
           </a:p>
           <a:p>
             <a:pPr marL="342900" indent="-342900">
@@ -4977,34 +4930,34 @@
               <a:buChar char="•"/>
             </a:pPr>
             <a:r>
-              <a:rPr lang="et-EE" sz="2400" i="1" dirty="0" err="1"/>
+              <a:rPr lang="et-EE" sz="2600" i="1" dirty="0" err="1"/>
               <a:t>exercise</a:t>
             </a:r>
             <a:r>
-              <a:rPr lang="et-EE" sz="2400" i="1" dirty="0"/>
+              <a:rPr lang="et-EE" sz="2600" i="1" dirty="0"/>
               <a:t> </a:t>
             </a:r>
             <a:r>
-              <a:rPr lang="et-EE" sz="2400" i="1" dirty="0" err="1"/>
+              <a:rPr lang="et-EE" sz="2600" i="1" dirty="0" err="1"/>
               <a:t>angina</a:t>
             </a:r>
             <a:r>
-              <a:rPr lang="et-EE" sz="2400" i="1" dirty="0"/>
+              <a:rPr lang="et-EE" sz="2600" i="1" dirty="0"/>
               <a:t> (</a:t>
             </a:r>
             <a:r>
-              <a:rPr lang="et-EE" sz="2400" i="1" dirty="0" err="1"/>
+              <a:rPr lang="et-EE" sz="2600" i="1" dirty="0" err="1"/>
               <a:t>nominal</a:t>
             </a:r>
             <a:r>
-              <a:rPr lang="et-EE" sz="2400" i="1" dirty="0"/>
+              <a:rPr lang="et-EE" sz="2600" i="1" dirty="0"/>
               <a:t>) - </a:t>
             </a:r>
             <a:r>
-              <a:rPr lang="en-US" sz="2400" dirty="0"/>
+              <a:rPr lang="en-US" sz="2600" dirty="0"/>
               <a:t>Angina induced by exercise 0: no and 1: yes</a:t>
             </a:r>
-            <a:endParaRPr lang="et-EE" sz="2400" i="1" dirty="0"/>
+            <a:endParaRPr lang="et-EE" sz="2600" i="1" dirty="0"/>
           </a:p>
           <a:p>
             <a:pPr marL="342900" indent="-342900">
@@ -5012,26 +4965,26 @@
               <a:buChar char="•"/>
             </a:pPr>
             <a:r>
-              <a:rPr lang="et-EE" sz="2400" i="1" dirty="0" err="1"/>
+              <a:rPr lang="et-EE" sz="2600" i="1" dirty="0" err="1"/>
               <a:t>oldpeak</a:t>
             </a:r>
             <a:r>
-              <a:rPr lang="et-EE" sz="2400" i="1" dirty="0"/>
+              <a:rPr lang="et-EE" sz="2600" i="1" dirty="0"/>
               <a:t> (</a:t>
             </a:r>
             <a:r>
-              <a:rPr lang="et-EE" sz="2400" i="1" dirty="0" err="1"/>
+              <a:rPr lang="et-EE" sz="2600" i="1" dirty="0" err="1"/>
               <a:t>numeric</a:t>
             </a:r>
             <a:r>
-              <a:rPr lang="et-EE" sz="2400" i="1" dirty="0"/>
+              <a:rPr lang="et-EE" sz="2600" i="1" dirty="0"/>
               <a:t>) - </a:t>
             </a:r>
             <a:r>
-              <a:rPr lang="en-US" sz="2400" dirty="0"/>
+              <a:rPr lang="en-US" sz="2600" dirty="0"/>
               <a:t>Exercise induced ST-depression in comparison with the state of rest.</a:t>
             </a:r>
-            <a:endParaRPr lang="et-EE" sz="2400" i="1" dirty="0"/>
+            <a:endParaRPr lang="et-EE" sz="2600" i="1" dirty="0"/>
           </a:p>
           <a:p>
             <a:pPr marL="342900" indent="-342900">
@@ -5039,34 +4992,34 @@
               <a:buChar char="•"/>
             </a:pPr>
             <a:r>
-              <a:rPr lang="et-EE" sz="2400" i="1" dirty="0"/>
+              <a:rPr lang="et-EE" sz="2600" i="1" dirty="0"/>
               <a:t>ST </a:t>
             </a:r>
             <a:r>
-              <a:rPr lang="et-EE" sz="2400" i="1" dirty="0" err="1"/>
+              <a:rPr lang="et-EE" sz="2600" i="1" dirty="0" err="1"/>
               <a:t>slope</a:t>
             </a:r>
             <a:r>
-              <a:rPr lang="et-EE" sz="2400" i="1" dirty="0"/>
+              <a:rPr lang="et-EE" sz="2600" i="1" dirty="0"/>
               <a:t> (</a:t>
             </a:r>
             <a:r>
-              <a:rPr lang="et-EE" sz="2400" i="1" dirty="0" err="1"/>
+              <a:rPr lang="et-EE" sz="2600" i="1" dirty="0" err="1"/>
               <a:t>categorical</a:t>
             </a:r>
             <a:r>
-              <a:rPr lang="et-EE" sz="2400" i="1" dirty="0"/>
+              <a:rPr lang="et-EE" sz="2600" i="1" dirty="0"/>
               <a:t>) - </a:t>
             </a:r>
             <a:r>
-              <a:rPr lang="en-US" sz="2400" dirty="0"/>
+              <a:rPr lang="en-US" sz="2600" dirty="0"/>
               <a:t>0: Normal 1: Upsloping 2: Flat 3: </a:t>
             </a:r>
             <a:r>
-              <a:rPr lang="en-US" sz="2400" dirty="0" err="1"/>
+              <a:rPr lang="en-US" sz="2600" dirty="0" err="1"/>
               <a:t>Downsloping</a:t>
             </a:r>
-            <a:endParaRPr lang="et-EE" sz="2400" i="1" dirty="0"/>
+            <a:endParaRPr lang="et-EE" sz="2600" i="1" dirty="0"/>
           </a:p>
           <a:p>
             <a:pPr marL="342900" indent="-342900">
@@ -5074,26 +5027,26 @@
               <a:buChar char="•"/>
             </a:pPr>
             <a:r>
-              <a:rPr lang="et-EE" sz="2400" i="1" dirty="0" err="1"/>
+              <a:rPr lang="et-EE" sz="2600" i="1" dirty="0" err="1"/>
               <a:t>target</a:t>
             </a:r>
             <a:r>
-              <a:rPr lang="et-EE" sz="2400" i="1" dirty="0"/>
+              <a:rPr lang="et-EE" sz="2600" i="1" dirty="0"/>
               <a:t> (</a:t>
             </a:r>
             <a:r>
-              <a:rPr lang="et-EE" sz="2400" i="1" dirty="0" err="1"/>
+              <a:rPr lang="et-EE" sz="2600" i="1" dirty="0" err="1"/>
               <a:t>nominal</a:t>
             </a:r>
             <a:r>
-              <a:rPr lang="et-EE" sz="2400" i="1" dirty="0"/>
+              <a:rPr lang="et-EE" sz="2600" i="1" dirty="0"/>
               <a:t>) - </a:t>
             </a:r>
             <a:r>
-              <a:rPr lang="en-US" sz="2400" dirty="0"/>
+              <a:rPr lang="en-US" sz="2600" dirty="0"/>
               <a:t>Heart risk, 1: heart disease 0: normal</a:t>
             </a:r>
-            <a:endParaRPr lang="et-EE" sz="2400" i="1" dirty="0"/>
+            <a:endParaRPr lang="et-EE" sz="2600" i="1" dirty="0"/>
           </a:p>
         </p:txBody>
       </p:sp>
@@ -5214,6 +5167,219 @@
               <a:effectLst/>
               <a:latin typeface="Arial" panose="020B0604020202020204" pitchFamily="34" charset="0"/>
             </a:endParaRPr>
+          </a:p>
+        </p:txBody>
+      </p:sp>
+      <p:pic>
+        <p:nvPicPr>
+          <p:cNvPr id="15" name="Pilt 14">
+            <a:extLst>
+              <a:ext uri="{FF2B5EF4-FFF2-40B4-BE49-F238E27FC236}">
+                <a16:creationId xmlns:a16="http://schemas.microsoft.com/office/drawing/2014/main" id="{2443350B-9095-42FC-963D-63149B51344A}"/>
+              </a:ext>
+            </a:extLst>
+          </p:cNvPr>
+          <p:cNvPicPr>
+            <a:picLocks noChangeAspect="1"/>
+          </p:cNvPicPr>
+          <p:nvPr/>
+        </p:nvPicPr>
+        <p:blipFill>
+          <a:blip r:embed="rId5"/>
+          <a:stretch>
+            <a:fillRect/>
+          </a:stretch>
+        </p:blipFill>
+        <p:spPr>
+          <a:xfrm>
+            <a:off x="17147874" y="34066264"/>
+            <a:ext cx="11152212" cy="7564787"/>
+          </a:xfrm>
+          <a:prstGeom prst="rect">
+            <a:avLst/>
+          </a:prstGeom>
+        </p:spPr>
+      </p:pic>
+      <p:sp>
+        <p:nvSpPr>
+          <p:cNvPr id="24" name="TextBox 23">
+            <a:extLst>
+              <a:ext uri="{FF2B5EF4-FFF2-40B4-BE49-F238E27FC236}">
+                <a16:creationId xmlns:a16="http://schemas.microsoft.com/office/drawing/2014/main" id="{B2ADA444-D1AE-4D16-932E-ED8E1618E27A}"/>
+              </a:ext>
+            </a:extLst>
+          </p:cNvPr>
+          <p:cNvSpPr txBox="1"/>
+          <p:nvPr/>
+        </p:nvSpPr>
+        <p:spPr>
+          <a:xfrm>
+            <a:off x="1975128" y="35027388"/>
+            <a:ext cx="8764208" cy="7417415"/>
+          </a:xfrm>
+          <a:prstGeom prst="rect">
+            <a:avLst/>
+          </a:prstGeom>
+          <a:noFill/>
+        </p:spPr>
+        <p:txBody>
+          <a:bodyPr wrap="square" rtlCol="0">
+            <a:spAutoFit/>
+          </a:bodyPr>
+          <a:lstStyle/>
+          <a:p>
+            <a:pPr algn="just"/>
+            <a:r>
+              <a:rPr lang="en-US" sz="2800" i="1" dirty="0"/>
+              <a:t>As a result, we were able to create models with an accuracy of over 92%. Random Forest has the highest accuracy among the models we created, with a score of 0.9454.</a:t>
+            </a:r>
+          </a:p>
+          <a:p>
+            <a:pPr algn="just"/>
+            <a:r>
+              <a:rPr lang="en-US" sz="2800" i="1" dirty="0"/>
+              <a:t>There isn't a significant difference between all the models. If there was it could suggest overfitting where a certain model learns the training data too well and fails to generalize to new, unseen data. We see that some optimizations we tried didn't make much difference in the accuracy. For example, feature importance with the random forest model underperformed and also the regulations for Neural networks didn't perform better.</a:t>
+            </a:r>
+          </a:p>
+          <a:p>
+            <a:pPr algn="just"/>
+            <a:r>
+              <a:rPr lang="en-US" sz="2800" i="1" dirty="0"/>
+              <a:t>So in conclusion the random forest model was our best model with an accuracy of 0.9454, which meets our goal to train a model with an accuracy over 0.92.</a:t>
+            </a:r>
+          </a:p>
+          <a:p>
+            <a:pPr algn="just"/>
+            <a:br>
+              <a:rPr lang="en-US" sz="2800" i="1" dirty="0"/>
+            </a:br>
+            <a:endParaRPr lang="et-EE" sz="2800" i="1" dirty="0"/>
+          </a:p>
+        </p:txBody>
+      </p:sp>
+      <p:pic>
+        <p:nvPicPr>
+          <p:cNvPr id="26" name="Pilt 25">
+            <a:extLst>
+              <a:ext uri="{FF2B5EF4-FFF2-40B4-BE49-F238E27FC236}">
+                <a16:creationId xmlns:a16="http://schemas.microsoft.com/office/drawing/2014/main" id="{A645F7EF-DAD5-4F4C-8A06-7D3012D4606A}"/>
+              </a:ext>
+            </a:extLst>
+          </p:cNvPr>
+          <p:cNvPicPr>
+            <a:picLocks noChangeAspect="1"/>
+          </p:cNvPicPr>
+          <p:nvPr/>
+        </p:nvPicPr>
+        <p:blipFill>
+          <a:blip r:embed="rId6"/>
+          <a:stretch>
+            <a:fillRect/>
+          </a:stretch>
+        </p:blipFill>
+        <p:spPr>
+          <a:xfrm>
+            <a:off x="11837959" y="35183763"/>
+            <a:ext cx="4737631" cy="3993041"/>
+          </a:xfrm>
+          <a:prstGeom prst="rect">
+            <a:avLst/>
+          </a:prstGeom>
+        </p:spPr>
+      </p:pic>
+      <p:sp>
+        <p:nvSpPr>
+          <p:cNvPr id="27" name="TextBox 26">
+            <a:extLst>
+              <a:ext uri="{FF2B5EF4-FFF2-40B4-BE49-F238E27FC236}">
+                <a16:creationId xmlns:a16="http://schemas.microsoft.com/office/drawing/2014/main" id="{994CF44A-40AF-441D-B7A1-7CC3493E49EF}"/>
+              </a:ext>
+            </a:extLst>
+          </p:cNvPr>
+          <p:cNvSpPr txBox="1"/>
+          <p:nvPr/>
+        </p:nvSpPr>
+        <p:spPr>
+          <a:xfrm>
+            <a:off x="11180682" y="28638230"/>
+            <a:ext cx="16445871" cy="3108543"/>
+          </a:xfrm>
+          <a:prstGeom prst="rect">
+            <a:avLst/>
+          </a:prstGeom>
+          <a:noFill/>
+        </p:spPr>
+        <p:txBody>
+          <a:bodyPr wrap="square" rtlCol="0">
+            <a:spAutoFit/>
+          </a:bodyPr>
+          <a:lstStyle/>
+          <a:p>
+            <a:pPr algn="just"/>
+            <a:r>
+              <a:rPr lang="en-US" sz="2800" i="1" dirty="0"/>
+              <a:t>From the correlation matrix, we have found the biggest association between the ST segment slope and the risk of heart disease. The graphical representation on the left further accentuates this finding, suggesting that individuals with a </a:t>
+            </a:r>
+            <a:r>
+              <a:rPr lang="en-US" sz="2800" i="1" dirty="0" err="1"/>
+              <a:t>downsloping</a:t>
+            </a:r>
+            <a:r>
+              <a:rPr lang="en-US" sz="2800" i="1" dirty="0"/>
+              <a:t> ST segment (value 3) are approximately three times more likely to have a heart disease. This observation aligns with expectations, considering that, in many cases, a normal ST segment slope trends slightly upwards—a reflection of the critical mechanics required for optimal heart function.</a:t>
+            </a:r>
+          </a:p>
+          <a:p>
+            <a:pPr algn="just"/>
+            <a:br>
+              <a:rPr lang="en-US" sz="2800" i="1" dirty="0"/>
+            </a:br>
+            <a:endParaRPr lang="et-EE" sz="2800" i="1" dirty="0"/>
+          </a:p>
+        </p:txBody>
+      </p:sp>
+      <p:sp>
+        <p:nvSpPr>
+          <p:cNvPr id="28" name="TextBox 27">
+            <a:extLst>
+              <a:ext uri="{FF2B5EF4-FFF2-40B4-BE49-F238E27FC236}">
+                <a16:creationId xmlns:a16="http://schemas.microsoft.com/office/drawing/2014/main" id="{040FD652-1D58-4C6F-81F0-032B6A5E8DC9}"/>
+              </a:ext>
+            </a:extLst>
+          </p:cNvPr>
+          <p:cNvSpPr txBox="1"/>
+          <p:nvPr/>
+        </p:nvSpPr>
+        <p:spPr>
+          <a:xfrm>
+            <a:off x="2295728" y="18600623"/>
+            <a:ext cx="14279862" cy="3108543"/>
+          </a:xfrm>
+          <a:prstGeom prst="rect">
+            <a:avLst/>
+          </a:prstGeom>
+          <a:noFill/>
+        </p:spPr>
+        <p:txBody>
+          <a:bodyPr wrap="square" rtlCol="0">
+            <a:spAutoFit/>
+          </a:bodyPr>
+          <a:lstStyle/>
+          <a:p>
+            <a:pPr algn="just"/>
+            <a:r>
+              <a:rPr lang="en-US" sz="2800" i="1" dirty="0"/>
+              <a:t>The negative correlation with max heart rate supports the idea that lower maximum heart rates may be associated with heart disease, which is a common belief that ageing could cause risk for different diseases. The positive correlation between chest pain type, exercise angina, </a:t>
+            </a:r>
+            <a:r>
+              <a:rPr lang="en-US" sz="2800" i="1" dirty="0" err="1"/>
+              <a:t>oldpeak</a:t>
+            </a:r>
+            <a:r>
+              <a:rPr lang="en-US" sz="2800" i="1" dirty="0"/>
+              <a:t> and ST slope suggests that individuals who experience atypical pain (not typical chest pain) in the chest or angina during exercise have more likely heart diseases and individuals who have abnormalities in ST slope too. The matrix shows that the biggest influence on heart-related diseases may be caused by abnormal ST slope.</a:t>
+            </a:r>
+            <a:endParaRPr lang="et-EE" sz="2800" i="1" dirty="0"/>
           </a:p>
         </p:txBody>
       </p:sp>

--- a/Poster.pptx
+++ b/Poster.pptx
@@ -3045,7 +3045,7 @@
         <p:spPr>
           <a:xfrm>
             <a:off x="7761445" y="2568652"/>
-            <a:ext cx="14752320" cy="1569660"/>
+            <a:ext cx="14761672" cy="1569660"/>
           </a:xfrm>
           <a:prstGeom prst="rect">
             <a:avLst/>
@@ -3073,7 +3073,7 @@
                   </a:outerShdw>
                 </a:effectLst>
               </a:rPr>
-              <a:t>HEART DISEASE PREDICTION</a:t>
+              <a:t>HEART DISEASE PREDICTION </a:t>
             </a:r>
           </a:p>
         </p:txBody>
@@ -3204,7 +3204,7 @@
         <p:spPr>
           <a:xfrm>
             <a:off x="15478365" y="5906694"/>
-            <a:ext cx="13222842" cy="9915027"/>
+            <a:ext cx="13222842" cy="10940944"/>
           </a:xfrm>
           <a:prstGeom prst="roundRect">
             <a:avLst/>
@@ -3300,8 +3300,8 @@
         </p:nvSpPr>
         <p:spPr>
           <a:xfrm>
-            <a:off x="1574004" y="11596610"/>
-            <a:ext cx="13563599" cy="4225111"/>
+            <a:off x="1632625" y="11576105"/>
+            <a:ext cx="13563599" cy="5242560"/>
           </a:xfrm>
           <a:prstGeom prst="roundRect">
             <a:avLst/>
@@ -3397,7 +3397,7 @@
         </p:nvSpPr>
         <p:spPr>
           <a:xfrm>
-            <a:off x="11180682" y="11570975"/>
+            <a:off x="11139786" y="12328369"/>
             <a:ext cx="3026093" cy="1200329"/>
           </a:xfrm>
           <a:prstGeom prst="rect">
@@ -3438,8 +3438,8 @@
         </p:nvSpPr>
         <p:spPr>
           <a:xfrm>
-            <a:off x="1574004" y="16202772"/>
-            <a:ext cx="27127199" cy="9151650"/>
+            <a:off x="1574004" y="17359715"/>
+            <a:ext cx="27127199" cy="7994198"/>
           </a:xfrm>
           <a:prstGeom prst="roundRect">
             <a:avLst/>
@@ -3617,8 +3617,8 @@
         </p:blipFill>
         <p:spPr bwMode="auto">
           <a:xfrm>
-            <a:off x="16759952" y="16443176"/>
-            <a:ext cx="11114245" cy="8670841"/>
+            <a:off x="17868907" y="18156966"/>
+            <a:ext cx="9232894" cy="7203094"/>
           </a:xfrm>
           <a:prstGeom prst="rect">
             <a:avLst/>
@@ -3726,7 +3726,7 @@
         </p:nvSpPr>
         <p:spPr>
           <a:xfrm>
-            <a:off x="7037069" y="16824596"/>
+            <a:off x="5904904" y="18914623"/>
             <a:ext cx="6478192" cy="1200329"/>
           </a:xfrm>
           <a:prstGeom prst="rect">
@@ -3887,7 +3887,7 @@
         </p:nvSpPr>
         <p:spPr>
           <a:xfrm>
-            <a:off x="1838273" y="11828148"/>
+            <a:off x="1838273" y="12174821"/>
             <a:ext cx="7645940" cy="2677656"/>
           </a:xfrm>
           <a:prstGeom prst="rect">
@@ -4197,7 +4197,7 @@
         </p:nvSpPr>
         <p:spPr>
           <a:xfrm>
-            <a:off x="1838273" y="14375512"/>
+            <a:off x="1838273" y="14904428"/>
             <a:ext cx="11997014" cy="1384995"/>
           </a:xfrm>
           <a:prstGeom prst="rect">
@@ -4502,8 +4502,8 @@
         </p:nvSpPr>
         <p:spPr>
           <a:xfrm>
-            <a:off x="15879486" y="7307643"/>
-            <a:ext cx="12420600" cy="8094524"/>
+            <a:off x="15879486" y="7196640"/>
+            <a:ext cx="12420600" cy="9140964"/>
           </a:xfrm>
           <a:prstGeom prst="rect">
             <a:avLst/>
@@ -4517,40 +4517,40 @@
           <a:lstStyle/>
           <a:p>
             <a:r>
-              <a:rPr lang="et-EE" sz="2600" i="1" dirty="0" err="1"/>
+              <a:rPr lang="et-EE" sz="2800" i="1" dirty="0" err="1"/>
               <a:t>Our</a:t>
             </a:r>
             <a:r>
-              <a:rPr lang="et-EE" sz="2600" i="1" dirty="0"/>
+              <a:rPr lang="et-EE" sz="2800" i="1" dirty="0"/>
               <a:t> </a:t>
             </a:r>
             <a:r>
-              <a:rPr lang="en-US" sz="2600" i="1" dirty="0"/>
+              <a:rPr lang="en-US" sz="2800" i="1" dirty="0"/>
               <a:t>database has data from different datasets, which have been combined</a:t>
             </a:r>
             <a:r>
-              <a:rPr lang="et-EE" sz="2600" i="1" dirty="0"/>
+              <a:rPr lang="et-EE" sz="2800" i="1" dirty="0"/>
               <a:t>. </a:t>
             </a:r>
             <a:r>
-              <a:rPr lang="en-US" sz="2600" i="1" dirty="0"/>
+              <a:rPr lang="en-US" sz="2800" i="1" dirty="0"/>
               <a:t>There is data from Cleveland with 303 instances, from Hungary with 294 instances, from Switzerland with 123 instances, from Long Beach VA with 200 instances and from another general dataset with 270 instances.</a:t>
             </a:r>
             <a:r>
-              <a:rPr lang="et-EE" sz="2600" i="1" dirty="0"/>
+              <a:rPr lang="et-EE" sz="2800" i="1" dirty="0"/>
               <a:t> The </a:t>
             </a:r>
             <a:r>
-              <a:rPr lang="et-EE" sz="2600" i="1" dirty="0" err="1"/>
+              <a:rPr lang="et-EE" sz="2800" i="1" dirty="0" err="1"/>
               <a:t>features</a:t>
             </a:r>
             <a:r>
-              <a:rPr lang="et-EE" sz="2600" i="1" dirty="0"/>
+              <a:rPr lang="et-EE" sz="2800" i="1" dirty="0"/>
               <a:t> are: </a:t>
             </a:r>
           </a:p>
           <a:p>
-            <a:endParaRPr lang="et-EE" sz="2600" i="1" dirty="0"/>
+            <a:endParaRPr lang="et-EE" sz="2800" i="1" dirty="0"/>
           </a:p>
           <a:p>
             <a:pPr marL="342900" indent="-342900">
@@ -4558,46 +4558,46 @@
               <a:buChar char="•"/>
             </a:pPr>
             <a:r>
-              <a:rPr lang="et-EE" sz="2600" i="1" dirty="0" err="1"/>
+              <a:rPr lang="et-EE" sz="2800" i="1" dirty="0" err="1"/>
               <a:t>age</a:t>
             </a:r>
             <a:r>
-              <a:rPr lang="et-EE" sz="2600" i="1" dirty="0"/>
+              <a:rPr lang="et-EE" sz="2800" i="1" dirty="0"/>
               <a:t> (</a:t>
             </a:r>
             <a:r>
-              <a:rPr lang="et-EE" sz="2600" i="1" dirty="0" err="1"/>
+              <a:rPr lang="et-EE" sz="2800" i="1" dirty="0" err="1"/>
               <a:t>numeric</a:t>
             </a:r>
             <a:r>
-              <a:rPr lang="et-EE" sz="2600" i="1" dirty="0"/>
+              <a:rPr lang="et-EE" sz="2800" i="1" dirty="0"/>
               <a:t>) - </a:t>
             </a:r>
             <a:r>
-              <a:rPr lang="et-EE" sz="2600" dirty="0" err="1"/>
+              <a:rPr lang="et-EE" sz="2800" dirty="0" err="1"/>
               <a:t>Patient’s</a:t>
             </a:r>
             <a:r>
-              <a:rPr lang="et-EE" sz="2600" dirty="0"/>
+              <a:rPr lang="et-EE" sz="2800" dirty="0"/>
               <a:t> </a:t>
             </a:r>
             <a:r>
-              <a:rPr lang="et-EE" sz="2600" dirty="0" err="1"/>
+              <a:rPr lang="et-EE" sz="2800" dirty="0" err="1"/>
               <a:t>age</a:t>
             </a:r>
             <a:r>
-              <a:rPr lang="et-EE" sz="2600" dirty="0"/>
+              <a:rPr lang="et-EE" sz="2800" dirty="0"/>
               <a:t> in </a:t>
             </a:r>
             <a:r>
-              <a:rPr lang="et-EE" sz="2600" dirty="0" err="1"/>
+              <a:rPr lang="et-EE" sz="2800" dirty="0" err="1"/>
               <a:t>years</a:t>
             </a:r>
             <a:r>
-              <a:rPr lang="et-EE" sz="2600" dirty="0"/>
+              <a:rPr lang="et-EE" sz="2800" dirty="0"/>
               <a:t>.</a:t>
             </a:r>
-            <a:endParaRPr lang="et-EE" sz="2600" i="1" dirty="0"/>
+            <a:endParaRPr lang="et-EE" sz="2800" i="1" dirty="0"/>
           </a:p>
           <a:p>
             <a:pPr marL="342900" indent="-342900">
@@ -4605,18 +4605,18 @@
               <a:buChar char="•"/>
             </a:pPr>
             <a:r>
-              <a:rPr lang="et-EE" sz="2600" i="1" dirty="0" err="1"/>
+              <a:rPr lang="et-EE" sz="2800" i="1" dirty="0" err="1"/>
               <a:t>sex</a:t>
             </a:r>
             <a:r>
-              <a:rPr lang="et-EE" sz="2600" i="1" dirty="0"/>
+              <a:rPr lang="et-EE" sz="2800" i="1" dirty="0"/>
               <a:t> (nominaal) - </a:t>
             </a:r>
             <a:r>
-              <a:rPr lang="en-US" sz="2600" dirty="0"/>
+              <a:rPr lang="en-US" sz="2800" dirty="0"/>
               <a:t>Patient’s gender. Male is 1 and Female is 0.</a:t>
             </a:r>
-            <a:endParaRPr lang="et-EE" sz="2600" i="1" dirty="0"/>
+            <a:endParaRPr lang="et-EE" sz="2800" i="1" dirty="0"/>
           </a:p>
           <a:p>
             <a:pPr marL="342900" indent="-342900">
@@ -4624,82 +4624,82 @@
               <a:buChar char="•"/>
             </a:pPr>
             <a:r>
-              <a:rPr lang="et-EE" sz="2600" i="1" dirty="0" err="1"/>
+              <a:rPr lang="et-EE" sz="2800" i="1" dirty="0" err="1"/>
               <a:t>chest</a:t>
             </a:r>
             <a:r>
-              <a:rPr lang="et-EE" sz="2600" i="1" dirty="0"/>
+              <a:rPr lang="et-EE" sz="2800" i="1" dirty="0"/>
               <a:t> </a:t>
             </a:r>
             <a:r>
-              <a:rPr lang="et-EE" sz="2600" i="1" dirty="0" err="1"/>
+              <a:rPr lang="et-EE" sz="2800" i="1" dirty="0" err="1"/>
               <a:t>pain</a:t>
             </a:r>
             <a:r>
-              <a:rPr lang="et-EE" sz="2600" i="1" dirty="0"/>
+              <a:rPr lang="et-EE" sz="2800" i="1" dirty="0"/>
               <a:t> </a:t>
             </a:r>
             <a:r>
-              <a:rPr lang="et-EE" sz="2600" i="1" dirty="0" err="1"/>
+              <a:rPr lang="et-EE" sz="2800" i="1" dirty="0" err="1"/>
               <a:t>type</a:t>
             </a:r>
             <a:r>
-              <a:rPr lang="et-EE" sz="2600" i="1" dirty="0"/>
+              <a:rPr lang="et-EE" sz="2800" i="1" dirty="0"/>
               <a:t> (</a:t>
             </a:r>
             <a:r>
-              <a:rPr lang="et-EE" sz="2600" i="1" dirty="0" err="1"/>
+              <a:rPr lang="et-EE" sz="2800" i="1" dirty="0" err="1"/>
               <a:t>categorical</a:t>
             </a:r>
             <a:r>
-              <a:rPr lang="et-EE" sz="2600" i="1" dirty="0"/>
+              <a:rPr lang="et-EE" sz="2800" i="1" dirty="0"/>
               <a:t>) - </a:t>
             </a:r>
             <a:r>
-              <a:rPr lang="et-EE" sz="2600" dirty="0"/>
+              <a:rPr lang="et-EE" sz="2800" dirty="0"/>
               <a:t>1 - </a:t>
             </a:r>
             <a:r>
-              <a:rPr lang="et-EE" sz="2600" dirty="0" err="1"/>
+              <a:rPr lang="et-EE" sz="2800" dirty="0" err="1"/>
               <a:t>typical</a:t>
             </a:r>
             <a:r>
-              <a:rPr lang="et-EE" sz="2600" dirty="0"/>
+              <a:rPr lang="et-EE" sz="2800" dirty="0"/>
               <a:t>; 2 - </a:t>
             </a:r>
             <a:r>
-              <a:rPr lang="et-EE" sz="2600" dirty="0" err="1"/>
+              <a:rPr lang="et-EE" sz="2800" dirty="0" err="1"/>
               <a:t>typical</a:t>
             </a:r>
             <a:r>
-              <a:rPr lang="et-EE" sz="2600" dirty="0"/>
+              <a:rPr lang="et-EE" sz="2800" dirty="0"/>
               <a:t> </a:t>
             </a:r>
             <a:r>
-              <a:rPr lang="et-EE" sz="2600" dirty="0" err="1"/>
+              <a:rPr lang="et-EE" sz="2800" dirty="0" err="1"/>
               <a:t>angina</a:t>
             </a:r>
             <a:r>
-              <a:rPr lang="et-EE" sz="2600" dirty="0"/>
+              <a:rPr lang="et-EE" sz="2800" dirty="0"/>
               <a:t>; 3 - non-</a:t>
             </a:r>
             <a:r>
-              <a:rPr lang="et-EE" sz="2600" dirty="0" err="1"/>
+              <a:rPr lang="et-EE" sz="2800" dirty="0" err="1"/>
               <a:t>angina</a:t>
             </a:r>
             <a:r>
-              <a:rPr lang="et-EE" sz="2600" dirty="0"/>
+              <a:rPr lang="et-EE" sz="2800" dirty="0"/>
               <a:t>; 4 - </a:t>
             </a:r>
             <a:r>
-              <a:rPr lang="et-EE" sz="2600" dirty="0" err="1"/>
+              <a:rPr lang="et-EE" sz="2800" dirty="0" err="1"/>
               <a:t>asymptomatic</a:t>
             </a:r>
             <a:r>
-              <a:rPr lang="et-EE" sz="2600" dirty="0"/>
+              <a:rPr lang="et-EE" sz="2800" dirty="0"/>
               <a:t>.</a:t>
             </a:r>
-            <a:endParaRPr lang="et-EE" sz="2600" i="1" dirty="0"/>
+            <a:endParaRPr lang="et-EE" sz="2800" i="1" dirty="0"/>
           </a:p>
           <a:p>
             <a:pPr marL="342900" indent="-342900">
@@ -4707,34 +4707,34 @@
               <a:buChar char="•"/>
             </a:pPr>
             <a:r>
-              <a:rPr lang="et-EE" sz="2600" i="1" dirty="0" err="1"/>
+              <a:rPr lang="et-EE" sz="2800" i="1" dirty="0" err="1"/>
               <a:t>resting</a:t>
             </a:r>
             <a:r>
-              <a:rPr lang="et-EE" sz="2600" i="1" dirty="0"/>
+              <a:rPr lang="et-EE" sz="2800" i="1" dirty="0"/>
               <a:t> </a:t>
             </a:r>
             <a:r>
-              <a:rPr lang="et-EE" sz="2600" i="1" dirty="0" err="1"/>
+              <a:rPr lang="et-EE" sz="2800" i="1" dirty="0" err="1"/>
               <a:t>bs</a:t>
             </a:r>
             <a:r>
-              <a:rPr lang="et-EE" sz="2600" i="1" dirty="0"/>
+              <a:rPr lang="et-EE" sz="2800" i="1" dirty="0"/>
               <a:t> s (</a:t>
             </a:r>
             <a:r>
-              <a:rPr lang="et-EE" sz="2600" i="1" dirty="0" err="1"/>
+              <a:rPr lang="et-EE" sz="2800" i="1" dirty="0" err="1"/>
               <a:t>numeric</a:t>
             </a:r>
             <a:r>
-              <a:rPr lang="et-EE" sz="2600" i="1" dirty="0"/>
+              <a:rPr lang="et-EE" sz="2800" i="1" dirty="0"/>
               <a:t>) -  </a:t>
             </a:r>
             <a:r>
-              <a:rPr lang="en-US" sz="2600" dirty="0"/>
+              <a:rPr lang="en-US" sz="2800" dirty="0"/>
               <a:t>Level of blood pressure at resting mode in mm/GG.</a:t>
             </a:r>
-            <a:endParaRPr lang="et-EE" sz="2600" i="1" dirty="0"/>
+            <a:endParaRPr lang="et-EE" sz="2800" i="1" dirty="0"/>
           </a:p>
           <a:p>
             <a:pPr marL="342900" indent="-342900">
@@ -4742,26 +4742,26 @@
               <a:buChar char="•"/>
             </a:pPr>
             <a:r>
-              <a:rPr lang="et-EE" sz="2600" i="1" dirty="0" err="1"/>
+              <a:rPr lang="et-EE" sz="2800" i="1" dirty="0" err="1"/>
               <a:t>cholesterol</a:t>
             </a:r>
             <a:r>
-              <a:rPr lang="et-EE" sz="2600" i="1" dirty="0"/>
+              <a:rPr lang="et-EE" sz="2800" i="1" dirty="0"/>
               <a:t> (</a:t>
             </a:r>
             <a:r>
-              <a:rPr lang="et-EE" sz="2600" i="1" dirty="0" err="1"/>
+              <a:rPr lang="et-EE" sz="2800" i="1" dirty="0" err="1"/>
               <a:t>numeric</a:t>
             </a:r>
             <a:r>
-              <a:rPr lang="et-EE" sz="2600" i="1" dirty="0"/>
+              <a:rPr lang="et-EE" sz="2800" i="1" dirty="0"/>
               <a:t>) - </a:t>
             </a:r>
             <a:r>
-              <a:rPr lang="nl-NL" sz="2600" dirty="0"/>
+              <a:rPr lang="nl-NL" sz="2800" dirty="0"/>
               <a:t>Serum cholesterol in mg/dl.</a:t>
             </a:r>
-            <a:endParaRPr lang="et-EE" sz="2600" i="1" dirty="0"/>
+            <a:endParaRPr lang="et-EE" sz="2800" i="1" dirty="0"/>
           </a:p>
           <a:p>
             <a:pPr marL="342900" indent="-342900">
@@ -4769,42 +4769,42 @@
               <a:buChar char="•"/>
             </a:pPr>
             <a:r>
-              <a:rPr lang="et-EE" sz="2600" i="1" dirty="0" err="1"/>
+              <a:rPr lang="et-EE" sz="2800" i="1" dirty="0" err="1"/>
               <a:t>fasting</a:t>
             </a:r>
             <a:r>
-              <a:rPr lang="et-EE" sz="2600" i="1" dirty="0"/>
+              <a:rPr lang="et-EE" sz="2800" i="1" dirty="0"/>
               <a:t> </a:t>
             </a:r>
             <a:r>
-              <a:rPr lang="et-EE" sz="2600" i="1" dirty="0" err="1"/>
+              <a:rPr lang="et-EE" sz="2800" i="1" dirty="0" err="1"/>
               <a:t>blood</a:t>
             </a:r>
             <a:r>
-              <a:rPr lang="et-EE" sz="2600" i="1" dirty="0"/>
+              <a:rPr lang="et-EE" sz="2800" i="1" dirty="0"/>
               <a:t> </a:t>
             </a:r>
             <a:r>
-              <a:rPr lang="et-EE" sz="2600" i="1" dirty="0" err="1"/>
+              <a:rPr lang="et-EE" sz="2800" i="1" dirty="0" err="1"/>
               <a:t>sugar</a:t>
             </a:r>
             <a:r>
-              <a:rPr lang="et-EE" sz="2600" i="1" dirty="0"/>
+              <a:rPr lang="et-EE" sz="2800" i="1" dirty="0"/>
               <a:t> (</a:t>
             </a:r>
             <a:r>
-              <a:rPr lang="et-EE" sz="2600" i="1" dirty="0" err="1"/>
+              <a:rPr lang="et-EE" sz="2800" i="1" dirty="0" err="1"/>
               <a:t>nominal</a:t>
             </a:r>
             <a:r>
-              <a:rPr lang="et-EE" sz="2600" i="1" dirty="0"/>
+              <a:rPr lang="et-EE" sz="2800" i="1" dirty="0"/>
               <a:t>) - </a:t>
             </a:r>
             <a:r>
-              <a:rPr lang="en-US" sz="2600" dirty="0"/>
+              <a:rPr lang="en-US" sz="2800" dirty="0"/>
               <a:t>Blood sugar levels on fasting &gt; 120 mg/dl represent 1 in case of true and 0 as false.</a:t>
             </a:r>
-            <a:endParaRPr lang="et-EE" sz="2600" i="1" dirty="0"/>
+            <a:endParaRPr lang="et-EE" sz="2800" i="1" dirty="0"/>
           </a:p>
           <a:p>
             <a:pPr marL="342900" indent="-342900">
@@ -4812,50 +4812,50 @@
               <a:buChar char="•"/>
             </a:pPr>
             <a:r>
-              <a:rPr lang="et-EE" sz="2600" i="1" dirty="0" err="1"/>
+              <a:rPr lang="et-EE" sz="2800" i="1" dirty="0" err="1"/>
               <a:t>resting</a:t>
             </a:r>
             <a:r>
-              <a:rPr lang="et-EE" sz="2600" i="1" dirty="0"/>
+              <a:rPr lang="et-EE" sz="2800" i="1" dirty="0"/>
               <a:t> </a:t>
             </a:r>
             <a:r>
-              <a:rPr lang="et-EE" sz="2600" i="1" dirty="0" err="1"/>
+              <a:rPr lang="et-EE" sz="2800" i="1" dirty="0" err="1"/>
               <a:t>ecg</a:t>
             </a:r>
             <a:r>
-              <a:rPr lang="et-EE" sz="2600" i="1" dirty="0"/>
+              <a:rPr lang="et-EE" sz="2800" i="1" dirty="0"/>
               <a:t>. (</a:t>
             </a:r>
             <a:r>
-              <a:rPr lang="et-EE" sz="2600" i="1" dirty="0" err="1"/>
+              <a:rPr lang="et-EE" sz="2800" i="1" dirty="0" err="1"/>
               <a:t>categorical</a:t>
             </a:r>
             <a:r>
-              <a:rPr lang="et-EE" sz="2600" i="1" dirty="0"/>
+              <a:rPr lang="et-EE" sz="2800" i="1" dirty="0"/>
               <a:t>) - </a:t>
             </a:r>
             <a:r>
-              <a:rPr lang="en-US" sz="2600" dirty="0"/>
+              <a:rPr lang="en-US" sz="2800" dirty="0"/>
               <a:t>0: Normal</a:t>
             </a:r>
             <a:r>
-              <a:rPr lang="et-EE" sz="2600" dirty="0"/>
+              <a:rPr lang="et-EE" sz="2800" dirty="0"/>
               <a:t>,</a:t>
             </a:r>
             <a:r>
-              <a:rPr lang="en-US" sz="2600" dirty="0"/>
+              <a:rPr lang="en-US" sz="2800" dirty="0"/>
               <a:t> 1: Abnormality in ST-T wave</a:t>
             </a:r>
             <a:r>
-              <a:rPr lang="et-EE" sz="2600" dirty="0"/>
+              <a:rPr lang="et-EE" sz="2800" dirty="0"/>
               <a:t>,</a:t>
             </a:r>
             <a:r>
-              <a:rPr lang="en-US" sz="2600" dirty="0"/>
+              <a:rPr lang="en-US" sz="2800" dirty="0"/>
               <a:t> 2: Left ventricular hypertrophy</a:t>
             </a:r>
-            <a:endParaRPr lang="et-EE" sz="2600" i="1" dirty="0"/>
+            <a:endParaRPr lang="et-EE" sz="2800" i="1" dirty="0"/>
           </a:p>
           <a:p>
             <a:pPr marL="342900" indent="-342900">
@@ -4863,66 +4863,66 @@
               <a:buChar char="•"/>
             </a:pPr>
             <a:r>
-              <a:rPr lang="et-EE" sz="2600" i="1" dirty="0" err="1"/>
+              <a:rPr lang="et-EE" sz="2800" i="1" dirty="0" err="1"/>
               <a:t>max</a:t>
             </a:r>
             <a:r>
-              <a:rPr lang="et-EE" sz="2600" i="1" dirty="0"/>
+              <a:rPr lang="et-EE" sz="2800" i="1" dirty="0"/>
               <a:t> </a:t>
             </a:r>
             <a:r>
-              <a:rPr lang="et-EE" sz="2600" i="1" dirty="0" err="1"/>
+              <a:rPr lang="et-EE" sz="2800" i="1" dirty="0" err="1"/>
               <a:t>heart</a:t>
             </a:r>
             <a:r>
-              <a:rPr lang="et-EE" sz="2600" i="1" dirty="0"/>
+              <a:rPr lang="et-EE" sz="2800" i="1" dirty="0"/>
               <a:t> </a:t>
             </a:r>
             <a:r>
-              <a:rPr lang="et-EE" sz="2600" i="1" dirty="0" err="1"/>
+              <a:rPr lang="et-EE" sz="2800" i="1" dirty="0" err="1"/>
               <a:t>rate</a:t>
             </a:r>
             <a:r>
-              <a:rPr lang="et-EE" sz="2600" i="1" dirty="0"/>
+              <a:rPr lang="et-EE" sz="2800" i="1" dirty="0"/>
               <a:t> (</a:t>
             </a:r>
             <a:r>
-              <a:rPr lang="et-EE" sz="2600" i="1" dirty="0" err="1"/>
+              <a:rPr lang="et-EE" sz="2800" i="1" dirty="0" err="1"/>
               <a:t>numeric</a:t>
             </a:r>
             <a:r>
-              <a:rPr lang="et-EE" sz="2600" i="1" dirty="0"/>
+              <a:rPr lang="et-EE" sz="2800" i="1" dirty="0"/>
               <a:t>) - </a:t>
             </a:r>
             <a:r>
-              <a:rPr lang="et-EE" sz="2600" dirty="0" err="1"/>
+              <a:rPr lang="et-EE" sz="2800" dirty="0" err="1"/>
               <a:t>Maximum</a:t>
             </a:r>
             <a:r>
-              <a:rPr lang="et-EE" sz="2600" dirty="0"/>
+              <a:rPr lang="et-EE" sz="2800" dirty="0"/>
               <a:t> </a:t>
             </a:r>
             <a:r>
-              <a:rPr lang="et-EE" sz="2600" dirty="0" err="1"/>
+              <a:rPr lang="et-EE" sz="2800" dirty="0" err="1"/>
               <a:t>heart</a:t>
             </a:r>
             <a:r>
-              <a:rPr lang="et-EE" sz="2600" dirty="0"/>
+              <a:rPr lang="et-EE" sz="2800" dirty="0"/>
               <a:t> </a:t>
             </a:r>
             <a:r>
-              <a:rPr lang="et-EE" sz="2600" dirty="0" err="1"/>
+              <a:rPr lang="et-EE" sz="2800" dirty="0" err="1"/>
               <a:t>rate</a:t>
             </a:r>
             <a:r>
-              <a:rPr lang="et-EE" sz="2600" dirty="0"/>
+              <a:rPr lang="et-EE" sz="2800" dirty="0"/>
               <a:t> </a:t>
             </a:r>
             <a:r>
-              <a:rPr lang="et-EE" sz="2600" dirty="0" err="1"/>
+              <a:rPr lang="et-EE" sz="2800" dirty="0" err="1"/>
               <a:t>achieved</a:t>
             </a:r>
-            <a:endParaRPr lang="et-EE" sz="2600" i="1" dirty="0"/>
+            <a:endParaRPr lang="et-EE" sz="2800" i="1" dirty="0"/>
           </a:p>
           <a:p>
             <a:pPr marL="342900" indent="-342900">
@@ -4930,34 +4930,34 @@
               <a:buChar char="•"/>
             </a:pPr>
             <a:r>
-              <a:rPr lang="et-EE" sz="2600" i="1" dirty="0" err="1"/>
+              <a:rPr lang="et-EE" sz="2800" i="1" dirty="0" err="1"/>
               <a:t>exercise</a:t>
             </a:r>
             <a:r>
-              <a:rPr lang="et-EE" sz="2600" i="1" dirty="0"/>
+              <a:rPr lang="et-EE" sz="2800" i="1" dirty="0"/>
               <a:t> </a:t>
             </a:r>
             <a:r>
-              <a:rPr lang="et-EE" sz="2600" i="1" dirty="0" err="1"/>
+              <a:rPr lang="et-EE" sz="2800" i="1" dirty="0" err="1"/>
               <a:t>angina</a:t>
             </a:r>
             <a:r>
-              <a:rPr lang="et-EE" sz="2600" i="1" dirty="0"/>
+              <a:rPr lang="et-EE" sz="2800" i="1" dirty="0"/>
               <a:t> (</a:t>
             </a:r>
             <a:r>
-              <a:rPr lang="et-EE" sz="2600" i="1" dirty="0" err="1"/>
+              <a:rPr lang="et-EE" sz="2800" i="1" dirty="0" err="1"/>
               <a:t>nominal</a:t>
             </a:r>
             <a:r>
-              <a:rPr lang="et-EE" sz="2600" i="1" dirty="0"/>
+              <a:rPr lang="et-EE" sz="2800" i="1" dirty="0"/>
               <a:t>) - </a:t>
             </a:r>
             <a:r>
-              <a:rPr lang="en-US" sz="2600" dirty="0"/>
+              <a:rPr lang="en-US" sz="2800" dirty="0"/>
               <a:t>Angina induced by exercise 0: no and 1: yes</a:t>
             </a:r>
-            <a:endParaRPr lang="et-EE" sz="2600" i="1" dirty="0"/>
+            <a:endParaRPr lang="et-EE" sz="2800" i="1" dirty="0"/>
           </a:p>
           <a:p>
             <a:pPr marL="342900" indent="-342900">
@@ -4965,26 +4965,26 @@
               <a:buChar char="•"/>
             </a:pPr>
             <a:r>
-              <a:rPr lang="et-EE" sz="2600" i="1" dirty="0" err="1"/>
+              <a:rPr lang="et-EE" sz="2800" i="1" dirty="0" err="1"/>
               <a:t>oldpeak</a:t>
             </a:r>
             <a:r>
-              <a:rPr lang="et-EE" sz="2600" i="1" dirty="0"/>
+              <a:rPr lang="et-EE" sz="2800" i="1" dirty="0"/>
               <a:t> (</a:t>
             </a:r>
             <a:r>
-              <a:rPr lang="et-EE" sz="2600" i="1" dirty="0" err="1"/>
+              <a:rPr lang="et-EE" sz="2800" i="1" dirty="0" err="1"/>
               <a:t>numeric</a:t>
             </a:r>
             <a:r>
-              <a:rPr lang="et-EE" sz="2600" i="1" dirty="0"/>
+              <a:rPr lang="et-EE" sz="2800" i="1" dirty="0"/>
               <a:t>) - </a:t>
             </a:r>
             <a:r>
-              <a:rPr lang="en-US" sz="2600" dirty="0"/>
+              <a:rPr lang="en-US" sz="2800" dirty="0"/>
               <a:t>Exercise induced ST-depression in comparison with the state of rest.</a:t>
             </a:r>
-            <a:endParaRPr lang="et-EE" sz="2600" i="1" dirty="0"/>
+            <a:endParaRPr lang="et-EE" sz="2800" i="1" dirty="0"/>
           </a:p>
           <a:p>
             <a:pPr marL="342900" indent="-342900">
@@ -4992,34 +4992,34 @@
               <a:buChar char="•"/>
             </a:pPr>
             <a:r>
-              <a:rPr lang="et-EE" sz="2600" i="1" dirty="0"/>
+              <a:rPr lang="et-EE" sz="2800" i="1" dirty="0"/>
               <a:t>ST </a:t>
             </a:r>
             <a:r>
-              <a:rPr lang="et-EE" sz="2600" i="1" dirty="0" err="1"/>
+              <a:rPr lang="et-EE" sz="2800" i="1" dirty="0" err="1"/>
               <a:t>slope</a:t>
             </a:r>
             <a:r>
-              <a:rPr lang="et-EE" sz="2600" i="1" dirty="0"/>
+              <a:rPr lang="et-EE" sz="2800" i="1" dirty="0"/>
               <a:t> (</a:t>
             </a:r>
             <a:r>
-              <a:rPr lang="et-EE" sz="2600" i="1" dirty="0" err="1"/>
+              <a:rPr lang="et-EE" sz="2800" i="1" dirty="0" err="1"/>
               <a:t>categorical</a:t>
             </a:r>
             <a:r>
-              <a:rPr lang="et-EE" sz="2600" i="1" dirty="0"/>
+              <a:rPr lang="et-EE" sz="2800" i="1" dirty="0"/>
               <a:t>) - </a:t>
             </a:r>
             <a:r>
-              <a:rPr lang="en-US" sz="2600" dirty="0"/>
+              <a:rPr lang="en-US" sz="2800" dirty="0"/>
               <a:t>0: Normal 1: Upsloping 2: Flat 3: </a:t>
             </a:r>
             <a:r>
-              <a:rPr lang="en-US" sz="2600" dirty="0" err="1"/>
+              <a:rPr lang="en-US" sz="2800" dirty="0" err="1"/>
               <a:t>Downsloping</a:t>
             </a:r>
-            <a:endParaRPr lang="et-EE" sz="2600" i="1" dirty="0"/>
+            <a:endParaRPr lang="et-EE" sz="2800" i="1" dirty="0"/>
           </a:p>
           <a:p>
             <a:pPr marL="342900" indent="-342900">
@@ -5027,146 +5027,26 @@
               <a:buChar char="•"/>
             </a:pPr>
             <a:r>
-              <a:rPr lang="et-EE" sz="2600" i="1" dirty="0" err="1"/>
+              <a:rPr lang="et-EE" sz="2800" i="1" dirty="0" err="1"/>
               <a:t>target</a:t>
             </a:r>
             <a:r>
-              <a:rPr lang="et-EE" sz="2600" i="1" dirty="0"/>
+              <a:rPr lang="et-EE" sz="2800" i="1" dirty="0"/>
               <a:t> (</a:t>
             </a:r>
             <a:r>
-              <a:rPr lang="et-EE" sz="2600" i="1" dirty="0" err="1"/>
+              <a:rPr lang="et-EE" sz="2800" i="1" dirty="0" err="1"/>
               <a:t>nominal</a:t>
             </a:r>
             <a:r>
-              <a:rPr lang="et-EE" sz="2600" i="1" dirty="0"/>
+              <a:rPr lang="et-EE" sz="2800" i="1" dirty="0"/>
               <a:t>) - </a:t>
             </a:r>
             <a:r>
-              <a:rPr lang="en-US" sz="2600" dirty="0"/>
+              <a:rPr lang="en-US" sz="2800" dirty="0"/>
               <a:t>Heart risk, 1: heart disease 0: normal</a:t>
             </a:r>
-            <a:endParaRPr lang="et-EE" sz="2600" i="1" dirty="0"/>
-          </a:p>
-        </p:txBody>
-      </p:sp>
-      <p:sp>
-        <p:nvSpPr>
-          <p:cNvPr id="23" name="Rectangle 1">
-            <a:extLst>
-              <a:ext uri="{FF2B5EF4-FFF2-40B4-BE49-F238E27FC236}">
-                <a16:creationId xmlns:a16="http://schemas.microsoft.com/office/drawing/2014/main" id="{6C5F1EF6-946E-4853-8316-766EB185B1A6}"/>
-              </a:ext>
-            </a:extLst>
-          </p:cNvPr>
-          <p:cNvSpPr>
-            <a:spLocks noChangeArrowheads="1"/>
-          </p:cNvSpPr>
-          <p:nvPr/>
-        </p:nvSpPr>
-        <p:spPr bwMode="auto">
-          <a:xfrm>
-            <a:off x="0" y="0"/>
-            <a:ext cx="30275213" cy="457200"/>
-          </a:xfrm>
-          <a:prstGeom prst="rect">
-            <a:avLst/>
-          </a:prstGeom>
-          <a:noFill/>
-          <a:ln>
-            <a:noFill/>
-          </a:ln>
-          <a:effectLst/>
-          <a:extLst>
-            <a:ext uri="{909E8E84-426E-40DD-AFC4-6F175D3DCCD1}">
-              <a14:hiddenFill xmlns:a14="http://schemas.microsoft.com/office/drawing/2010/main">
-                <a:solidFill>
-                  <a:schemeClr val="accent1"/>
-                </a:solidFill>
-              </a14:hiddenFill>
-            </a:ext>
-            <a:ext uri="{91240B29-F687-4F45-9708-019B960494DF}">
-              <a14:hiddenLine xmlns:a14="http://schemas.microsoft.com/office/drawing/2010/main" w="9525">
-                <a:solidFill>
-                  <a:schemeClr val="tx1"/>
-                </a:solidFill>
-                <a:miter lim="800000"/>
-                <a:headEnd/>
-                <a:tailEnd/>
-              </a14:hiddenLine>
-            </a:ext>
-            <a:ext uri="{AF507438-7753-43E0-B8FC-AC1667EBCBE1}">
-              <a14:hiddenEffects xmlns:a14="http://schemas.microsoft.com/office/drawing/2010/main">
-                <a:effectLst>
-                  <a:outerShdw dist="35921" dir="2700000" algn="ctr" rotWithShape="0">
-                    <a:schemeClr val="bg2"/>
-                  </a:outerShdw>
-                </a:effectLst>
-              </a14:hiddenEffects>
-            </a:ext>
-          </a:extLst>
-        </p:spPr>
-        <p:txBody>
-          <a:bodyPr vert="horz" wrap="none" lIns="91440" tIns="45720" rIns="91440" bIns="45720" numCol="1" anchor="ctr" anchorCtr="0" compatLnSpc="1">
-            <a:prstTxWarp prst="textNoShape">
-              <a:avLst/>
-            </a:prstTxWarp>
-            <a:spAutoFit/>
-          </a:bodyPr>
-          <a:lstStyle/>
-          <a:p>
-            <a:pPr marL="0" marR="0" lvl="0" indent="0" algn="l" defTabSz="914400" rtl="0" eaLnBrk="0" fontAlgn="base" latinLnBrk="0" hangingPunct="0">
-              <a:lnSpc>
-                <a:spcPct val="100000"/>
-              </a:lnSpc>
-              <a:spcBef>
-                <a:spcPct val="0"/>
-              </a:spcBef>
-              <a:spcAft>
-                <a:spcPct val="0"/>
-              </a:spcAft>
-              <a:buClrTx/>
-              <a:buSzTx/>
-              <a:buFontTx/>
-              <a:buNone/>
-              <a:tabLst/>
-            </a:pPr>
-            <a:r>
-              <a:rPr kumimoji="0" lang="et-EE" altLang="et-EE" sz="1100" b="0" i="0" u="none" strike="noStrike" cap="none" normalizeH="0" baseline="0">
-                <a:ln>
-                  <a:noFill/>
-                </a:ln>
-                <a:solidFill>
-                  <a:srgbClr val="000000"/>
-                </a:solidFill>
-                <a:effectLst/>
-                <a:latin typeface="Arial" panose="020B0604020202020204" pitchFamily="34" charset="0"/>
-                <a:cs typeface="Arial" panose="020B0604020202020204" pitchFamily="34" charset="0"/>
-              </a:rPr>
-              <a:t>ST slope (categorical)</a:t>
-            </a:r>
-            <a:r>
-              <a:rPr kumimoji="0" lang="et-EE" altLang="et-EE" sz="1900" b="0" i="0" u="none" strike="noStrike" cap="none" normalizeH="0" baseline="0">
-                <a:ln>
-                  <a:noFill/>
-                </a:ln>
-                <a:solidFill>
-                  <a:schemeClr val="tx1"/>
-                </a:solidFill>
-                <a:effectLst/>
-              </a:rPr>
-              <a:t> </a:t>
-            </a:r>
-            <a:endParaRPr kumimoji="0" lang="et-EE" altLang="et-EE" sz="1800" b="0" i="0" u="none" strike="noStrike" cap="none" normalizeH="0" baseline="0">
-              <a:ln>
-                <a:noFill/>
-              </a:ln>
-              <a:solidFill>
-                <a:schemeClr val="tx1"/>
-              </a:solidFill>
-              <a:effectLst/>
-              <a:latin typeface="Arial" panose="020B0604020202020204" pitchFamily="34" charset="0"/>
-            </a:endParaRPr>
+            <a:endParaRPr lang="et-EE" sz="2800" i="1" dirty="0"/>
           </a:p>
         </p:txBody>
       </p:sp>
@@ -5352,7 +5232,7 @@
         </p:nvSpPr>
         <p:spPr>
           <a:xfrm>
-            <a:off x="2295728" y="18600623"/>
+            <a:off x="2295728" y="20641914"/>
             <a:ext cx="14279862" cy="3108543"/>
           </a:xfrm>
           <a:prstGeom prst="rect">

--- a/Poster.pptx
+++ b/Poster.pptx
@@ -3044,8 +3044,8 @@
         </p:nvSpPr>
         <p:spPr>
           <a:xfrm>
-            <a:off x="7761445" y="2568652"/>
-            <a:ext cx="14761672" cy="1569660"/>
+            <a:off x="6410364" y="2621439"/>
+            <a:ext cx="17571719" cy="1708160"/>
           </a:xfrm>
           <a:prstGeom prst="rect">
             <a:avLst/>
@@ -3059,7 +3059,7 @@
           <a:lstStyle/>
           <a:p>
             <a:r>
-              <a:rPr lang="et-EE" sz="9600" b="1" i="1" dirty="0">
+              <a:rPr lang="et-EE" sz="10500" b="1" i="1" dirty="0">
                 <a:solidFill>
                   <a:schemeClr val="bg2">
                     <a:lumMod val="25000"/>
@@ -3072,6 +3072,7 @@
                     </a:prstClr>
                   </a:outerShdw>
                 </a:effectLst>
+                <a:latin typeface="Corbel" panose="020B0503020204020204" pitchFamily="34" charset="0"/>
               </a:rPr>
               <a:t>HEART DISEASE PREDICTION </a:t>
             </a:r>
@@ -3637,53 +3638,6 @@
       </p:pic>
       <p:pic>
         <p:nvPicPr>
-          <p:cNvPr id="1034" name="Picture 10">
-            <a:extLst>
-              <a:ext uri="{FF2B5EF4-FFF2-40B4-BE49-F238E27FC236}">
-                <a16:creationId xmlns:a16="http://schemas.microsoft.com/office/drawing/2014/main" id="{FC95D01C-19AE-4973-AB55-BD930EADBCEE}"/>
-              </a:ext>
-            </a:extLst>
-          </p:cNvPr>
-          <p:cNvPicPr>
-            <a:picLocks noChangeAspect="1" noChangeArrowheads="1"/>
-          </p:cNvPicPr>
-          <p:nvPr/>
-        </p:nvPicPr>
-        <p:blipFill>
-          <a:blip r:embed="rId3">
-            <a:extLst>
-              <a:ext uri="{28A0092B-C50C-407E-A947-70E740481C1C}">
-                <a14:useLocalDpi xmlns:a14="http://schemas.microsoft.com/office/drawing/2010/main" val="0"/>
-              </a:ext>
-            </a:extLst>
-          </a:blip>
-          <a:srcRect/>
-          <a:stretch>
-            <a:fillRect/>
-          </a:stretch>
-        </p:blipFill>
-        <p:spPr bwMode="auto">
-          <a:xfrm>
-            <a:off x="3092291" y="26133333"/>
-            <a:ext cx="6051709" cy="3894453"/>
-          </a:xfrm>
-          <a:prstGeom prst="rect">
-            <a:avLst/>
-          </a:prstGeom>
-          <a:noFill/>
-          <a:extLst>
-            <a:ext uri="{909E8E84-426E-40DD-AFC4-6F175D3DCCD1}">
-              <a14:hiddenFill xmlns:a14="http://schemas.microsoft.com/office/drawing/2010/main">
-                <a:solidFill>
-                  <a:srgbClr val="FFFFFF"/>
-                </a:solidFill>
-              </a14:hiddenFill>
-            </a:ext>
-          </a:extLst>
-        </p:spPr>
-      </p:pic>
-      <p:pic>
-        <p:nvPicPr>
           <p:cNvPr id="17" name="Pilt 16">
             <a:extLst>
               <a:ext uri="{FF2B5EF4-FFF2-40B4-BE49-F238E27FC236}">
@@ -3697,7 +3651,7 @@
           <p:nvPr/>
         </p:nvPicPr>
         <p:blipFill>
-          <a:blip r:embed="rId4"/>
+          <a:blip r:embed="rId3"/>
           <a:stretch>
             <a:fillRect/>
           </a:stretch>
@@ -5050,36 +5004,6 @@
           </a:p>
         </p:txBody>
       </p:sp>
-      <p:pic>
-        <p:nvPicPr>
-          <p:cNvPr id="15" name="Pilt 14">
-            <a:extLst>
-              <a:ext uri="{FF2B5EF4-FFF2-40B4-BE49-F238E27FC236}">
-                <a16:creationId xmlns:a16="http://schemas.microsoft.com/office/drawing/2014/main" id="{2443350B-9095-42FC-963D-63149B51344A}"/>
-              </a:ext>
-            </a:extLst>
-          </p:cNvPr>
-          <p:cNvPicPr>
-            <a:picLocks noChangeAspect="1"/>
-          </p:cNvPicPr>
-          <p:nvPr/>
-        </p:nvPicPr>
-        <p:blipFill>
-          <a:blip r:embed="rId5"/>
-          <a:stretch>
-            <a:fillRect/>
-          </a:stretch>
-        </p:blipFill>
-        <p:spPr>
-          <a:xfrm>
-            <a:off x="17147874" y="34066264"/>
-            <a:ext cx="11152212" cy="7564787"/>
-          </a:xfrm>
-          <a:prstGeom prst="rect">
-            <a:avLst/>
-          </a:prstGeom>
-        </p:spPr>
-      </p:pic>
       <p:sp>
         <p:nvSpPr>
           <p:cNvPr id="24" name="TextBox 23">
@@ -5137,36 +5061,6 @@
           </a:p>
         </p:txBody>
       </p:sp>
-      <p:pic>
-        <p:nvPicPr>
-          <p:cNvPr id="26" name="Pilt 25">
-            <a:extLst>
-              <a:ext uri="{FF2B5EF4-FFF2-40B4-BE49-F238E27FC236}">
-                <a16:creationId xmlns:a16="http://schemas.microsoft.com/office/drawing/2014/main" id="{A645F7EF-DAD5-4F4C-8A06-7D3012D4606A}"/>
-              </a:ext>
-            </a:extLst>
-          </p:cNvPr>
-          <p:cNvPicPr>
-            <a:picLocks noChangeAspect="1"/>
-          </p:cNvPicPr>
-          <p:nvPr/>
-        </p:nvPicPr>
-        <p:blipFill>
-          <a:blip r:embed="rId6"/>
-          <a:stretch>
-            <a:fillRect/>
-          </a:stretch>
-        </p:blipFill>
-        <p:spPr>
-          <a:xfrm>
-            <a:off x="11837959" y="35183763"/>
-            <a:ext cx="4737631" cy="3993041"/>
-          </a:xfrm>
-          <a:prstGeom prst="rect">
-            <a:avLst/>
-          </a:prstGeom>
-        </p:spPr>
-      </p:pic>
       <p:sp>
         <p:nvSpPr>
           <p:cNvPr id="27" name="TextBox 26">
@@ -5263,6 +5157,147 @@
           </a:p>
         </p:txBody>
       </p:sp>
+      <p:pic>
+        <p:nvPicPr>
+          <p:cNvPr id="1026" name="Picture 2">
+            <a:extLst>
+              <a:ext uri="{FF2B5EF4-FFF2-40B4-BE49-F238E27FC236}">
+                <a16:creationId xmlns:a16="http://schemas.microsoft.com/office/drawing/2014/main" id="{9E4AD45D-33C0-4BB3-BC5A-089DB97A48FD}"/>
+              </a:ext>
+            </a:extLst>
+          </p:cNvPr>
+          <p:cNvPicPr>
+            <a:picLocks noChangeAspect="1" noChangeArrowheads="1"/>
+          </p:cNvPicPr>
+          <p:nvPr/>
+        </p:nvPicPr>
+        <p:blipFill>
+          <a:blip r:embed="rId4">
+            <a:extLst>
+              <a:ext uri="{28A0092B-C50C-407E-A947-70E740481C1C}">
+                <a14:useLocalDpi xmlns:a14="http://schemas.microsoft.com/office/drawing/2010/main" val="0"/>
+              </a:ext>
+            </a:extLst>
+          </a:blip>
+          <a:srcRect/>
+          <a:stretch>
+            <a:fillRect/>
+          </a:stretch>
+        </p:blipFill>
+        <p:spPr bwMode="auto">
+          <a:xfrm>
+            <a:off x="18515746" y="34832173"/>
+            <a:ext cx="9537030" cy="6469174"/>
+          </a:xfrm>
+          <a:prstGeom prst="rect">
+            <a:avLst/>
+          </a:prstGeom>
+          <a:noFill/>
+          <a:extLst>
+            <a:ext uri="{909E8E84-426E-40DD-AFC4-6F175D3DCCD1}">
+              <a14:hiddenFill xmlns:a14="http://schemas.microsoft.com/office/drawing/2010/main">
+                <a:solidFill>
+                  <a:srgbClr val="FFFFFF"/>
+                </a:solidFill>
+              </a14:hiddenFill>
+            </a:ext>
+          </a:extLst>
+        </p:spPr>
+      </p:pic>
+      <p:pic>
+        <p:nvPicPr>
+          <p:cNvPr id="1028" name="Picture 4">
+            <a:extLst>
+              <a:ext uri="{FF2B5EF4-FFF2-40B4-BE49-F238E27FC236}">
+                <a16:creationId xmlns:a16="http://schemas.microsoft.com/office/drawing/2014/main" id="{08101881-FA43-441B-9F53-FC4DFD1B3E8B}"/>
+              </a:ext>
+            </a:extLst>
+          </p:cNvPr>
+          <p:cNvPicPr>
+            <a:picLocks noChangeAspect="1" noChangeArrowheads="1"/>
+          </p:cNvPicPr>
+          <p:nvPr/>
+        </p:nvPicPr>
+        <p:blipFill>
+          <a:blip r:embed="rId5">
+            <a:extLst>
+              <a:ext uri="{28A0092B-C50C-407E-A947-70E740481C1C}">
+                <a14:useLocalDpi xmlns:a14="http://schemas.microsoft.com/office/drawing/2010/main" val="0"/>
+              </a:ext>
+            </a:extLst>
+          </a:blip>
+          <a:srcRect/>
+          <a:stretch>
+            <a:fillRect/>
+          </a:stretch>
+        </p:blipFill>
+        <p:spPr bwMode="auto">
+          <a:xfrm>
+            <a:off x="11806534" y="35238238"/>
+            <a:ext cx="5642013" cy="4755287"/>
+          </a:xfrm>
+          <a:prstGeom prst="rect">
+            <a:avLst/>
+          </a:prstGeom>
+          <a:noFill/>
+          <a:extLst>
+            <a:ext uri="{909E8E84-426E-40DD-AFC4-6F175D3DCCD1}">
+              <a14:hiddenFill xmlns:a14="http://schemas.microsoft.com/office/drawing/2010/main">
+                <a:solidFill>
+                  <a:srgbClr val="FFFFFF"/>
+                </a:solidFill>
+              </a14:hiddenFill>
+            </a:ext>
+          </a:extLst>
+        </p:spPr>
+      </p:pic>
+      <p:pic>
+        <p:nvPicPr>
+          <p:cNvPr id="1030" name="Picture 6">
+            <a:extLst>
+              <a:ext uri="{FF2B5EF4-FFF2-40B4-BE49-F238E27FC236}">
+                <a16:creationId xmlns:a16="http://schemas.microsoft.com/office/drawing/2014/main" id="{8AC3624A-41A3-4BCB-95D7-EAF8C6F791C9}"/>
+              </a:ext>
+            </a:extLst>
+          </p:cNvPr>
+          <p:cNvPicPr>
+            <a:picLocks noChangeAspect="1" noChangeArrowheads="1"/>
+          </p:cNvPicPr>
+          <p:nvPr/>
+        </p:nvPicPr>
+        <p:blipFill>
+          <a:blip r:embed="rId6">
+            <a:extLst>
+              <a:ext uri="{28A0092B-C50C-407E-A947-70E740481C1C}">
+                <a14:useLocalDpi xmlns:a14="http://schemas.microsoft.com/office/drawing/2010/main" val="0"/>
+              </a:ext>
+            </a:extLst>
+          </a:blip>
+          <a:srcRect/>
+          <a:stretch>
+            <a:fillRect/>
+          </a:stretch>
+        </p:blipFill>
+        <p:spPr bwMode="auto">
+          <a:xfrm>
+            <a:off x="3092291" y="26023594"/>
+            <a:ext cx="6478192" cy="4168907"/>
+          </a:xfrm>
+          <a:prstGeom prst="rect">
+            <a:avLst/>
+          </a:prstGeom>
+          <a:noFill/>
+          <a:extLst>
+            <a:ext uri="{909E8E84-426E-40DD-AFC4-6F175D3DCCD1}">
+              <a14:hiddenFill xmlns:a14="http://schemas.microsoft.com/office/drawing/2010/main">
+                <a:solidFill>
+                  <a:srgbClr val="FFFFFF"/>
+                </a:solidFill>
+              </a14:hiddenFill>
+            </a:ext>
+          </a:extLst>
+        </p:spPr>
+      </p:pic>
     </p:spTree>
     <p:extLst>
       <p:ext uri="{BB962C8B-B14F-4D97-AF65-F5344CB8AC3E}">
